--- a/Week03/MoreHtmlElements.pptx
+++ b/Week03/MoreHtmlElements.pptx
@@ -221,7 +221,7 @@
           <a:p>
             <a:fld id="{19104133-B5B0-4351-8158-4F0E5EB1E2BF}" type="datetimeFigureOut">
               <a:rPr lang="en-US" smtClean="0"/>
-              <a:t>3/20/2020</a:t>
+              <a:t>3/18/2022</a:t>
             </a:fld>
             <a:endParaRPr lang="en-US"/>
           </a:p>
@@ -285,38 +285,37 @@
           <a:p>
             <a:pPr lvl="0"/>
             <a:r>
-              <a:rPr lang="en-US" smtClean="0"/>
+              <a:rPr lang="en-US"/>
               <a:t>Edit Master text styles</a:t>
             </a:r>
           </a:p>
           <a:p>
             <a:pPr lvl="1"/>
             <a:r>
-              <a:rPr lang="en-US" smtClean="0"/>
+              <a:rPr lang="en-US"/>
               <a:t>Second level</a:t>
             </a:r>
           </a:p>
           <a:p>
             <a:pPr lvl="2"/>
             <a:r>
-              <a:rPr lang="en-US" smtClean="0"/>
+              <a:rPr lang="en-US"/>
               <a:t>Third level</a:t>
             </a:r>
           </a:p>
           <a:p>
             <a:pPr lvl="3"/>
             <a:r>
-              <a:rPr lang="en-US" smtClean="0"/>
+              <a:rPr lang="en-US"/>
               <a:t>Fourth level</a:t>
             </a:r>
           </a:p>
           <a:p>
             <a:pPr lvl="4"/>
             <a:r>
-              <a:rPr lang="en-US" smtClean="0"/>
+              <a:rPr lang="en-US"/>
               <a:t>Fifth level</a:t>
             </a:r>
-            <a:endParaRPr lang="en-US"/>
           </a:p>
         </p:txBody>
       </p:sp>
@@ -534,19 +533,19 @@
           <a:lstStyle/>
           <a:p>
             <a:r>
-              <a:rPr lang="en-US" dirty="0" smtClean="0"/>
+              <a:rPr lang="en-US" dirty="0"/>
               <a:t>Ask the students</a:t>
             </a:r>
             <a:r>
-              <a:rPr lang="en-US" baseline="0" dirty="0" smtClean="0"/>
+              <a:rPr lang="en-US" baseline="0" dirty="0"/>
               <a:t> what </a:t>
             </a:r>
             <a:r>
-              <a:rPr lang="en-US" b="1" baseline="0" dirty="0" err="1" smtClean="0"/>
+              <a:rPr lang="en-US" b="1" baseline="0" dirty="0" err="1"/>
               <a:t>href</a:t>
             </a:r>
             <a:r>
-              <a:rPr lang="en-US" baseline="0" dirty="0" smtClean="0"/>
+              <a:rPr lang="en-US" baseline="0" dirty="0"/>
               <a:t> does – it tells the link where to go when clicked!</a:t>
             </a:r>
             <a:endParaRPr lang="en-US" dirty="0"/>
@@ -634,19 +633,19 @@
           <a:lstStyle/>
           <a:p>
             <a:r>
-              <a:rPr lang="en-US" dirty="0" smtClean="0"/>
+              <a:rPr lang="en-US" dirty="0"/>
               <a:t>Visit the </a:t>
             </a:r>
             <a:r>
-              <a:rPr lang="en-US" dirty="0" err="1" smtClean="0"/>
+              <a:rPr lang="en-US" dirty="0" err="1"/>
               <a:t>Repl</a:t>
             </a:r>
             <a:r>
-              <a:rPr lang="en-US" dirty="0" smtClean="0"/>
+              <a:rPr lang="en-US" dirty="0"/>
               <a:t> to show inputs </a:t>
             </a:r>
             <a:r>
-              <a:rPr lang="en-US" smtClean="0"/>
+              <a:rPr lang="en-US"/>
               <a:t>in action</a:t>
             </a:r>
             <a:endParaRPr lang="en-US" dirty="0"/>
@@ -734,11 +733,11 @@
           <a:lstStyle/>
           <a:p>
             <a:r>
-              <a:rPr lang="en-US" dirty="0" smtClean="0"/>
+              <a:rPr lang="en-US" dirty="0"/>
               <a:t>Point out</a:t>
             </a:r>
             <a:r>
-              <a:rPr lang="en-US" baseline="0" dirty="0" smtClean="0"/>
+              <a:rPr lang="en-US" baseline="0" dirty="0"/>
               <a:t> each part of the attribute syntax</a:t>
             </a:r>
             <a:endParaRPr lang="en-US" dirty="0"/>
@@ -826,10 +825,9 @@
           <a:lstStyle/>
           <a:p>
             <a:r>
-              <a:rPr lang="en-US" dirty="0" smtClean="0"/>
+              <a:rPr lang="en-US" dirty="0"/>
               <a:t>Ask the students these questions</a:t>
             </a:r>
-            <a:endParaRPr lang="en-US" dirty="0"/>
           </a:p>
         </p:txBody>
       </p:sp>
@@ -914,39 +912,39 @@
           <a:lstStyle/>
           <a:p>
             <a:r>
-              <a:rPr lang="en-US" dirty="0" smtClean="0"/>
+              <a:rPr lang="en-US" dirty="0"/>
               <a:t>Visit the </a:t>
             </a:r>
             <a:r>
-              <a:rPr lang="en-US" dirty="0" err="1" smtClean="0"/>
+              <a:rPr lang="en-US" dirty="0" err="1"/>
               <a:t>Repl</a:t>
             </a:r>
             <a:r>
-              <a:rPr lang="en-US" dirty="0" smtClean="0"/>
+              <a:rPr lang="en-US" dirty="0"/>
               <a:t> to show attributes in action. Uncomment the commented lines of code to display</a:t>
             </a:r>
             <a:r>
-              <a:rPr lang="en-US" baseline="0" dirty="0" smtClean="0"/>
+              <a:rPr lang="en-US" baseline="0" dirty="0"/>
               <a:t> them. You should be able to use </a:t>
             </a:r>
             <a:r>
-              <a:rPr lang="en-US" b="1" baseline="0" dirty="0" smtClean="0"/>
+              <a:rPr lang="en-US" b="1" baseline="0" dirty="0"/>
               <a:t>Ctrl</a:t>
             </a:r>
             <a:r>
-              <a:rPr lang="en-US" baseline="0" dirty="0" smtClean="0"/>
+              <a:rPr lang="en-US" baseline="0" dirty="0"/>
               <a:t>+</a:t>
             </a:r>
             <a:r>
-              <a:rPr lang="en-US" b="1" baseline="0" dirty="0" smtClean="0"/>
+              <a:rPr lang="en-US" b="1" baseline="0" dirty="0"/>
               <a:t>/</a:t>
             </a:r>
             <a:r>
-              <a:rPr lang="en-US" baseline="0" dirty="0" smtClean="0"/>
+              <a:rPr lang="en-US" baseline="0" dirty="0"/>
               <a:t> to comment and uncomment code in </a:t>
             </a:r>
             <a:r>
-              <a:rPr lang="en-US" baseline="0" dirty="0" err="1" smtClean="0"/>
+              <a:rPr lang="en-US" baseline="0" dirty="0" err="1"/>
               <a:t>Repl</a:t>
             </a:r>
             <a:endParaRPr lang="en-US" dirty="0"/>
@@ -1038,11 +1036,11 @@
               <a:buChar char="-"/>
             </a:pPr>
             <a:r>
-              <a:rPr lang="en-US" dirty="0" smtClean="0"/>
+              <a:rPr lang="en-US" dirty="0"/>
               <a:t>The bullet points on this</a:t>
             </a:r>
             <a:r>
-              <a:rPr lang="en-US" baseline="0" dirty="0" smtClean="0"/>
+              <a:rPr lang="en-US" baseline="0" dirty="0"/>
               <a:t> slide are an unordered list!</a:t>
             </a:r>
           </a:p>
@@ -1052,7 +1050,7 @@
               <a:buChar char="-"/>
             </a:pPr>
             <a:r>
-              <a:rPr lang="en-US" baseline="0" dirty="0" smtClean="0"/>
+              <a:rPr lang="en-US" baseline="0" dirty="0"/>
               <a:t>An ordered list has numbers – for example, the MCU movies in release order</a:t>
             </a:r>
           </a:p>
@@ -1139,123 +1137,123 @@
           <a:lstStyle/>
           <a:p>
             <a:r>
-              <a:rPr lang="en-US" dirty="0" smtClean="0"/>
+              <a:rPr lang="en-US" dirty="0"/>
               <a:t>Explain nesting as a concept using geography.</a:t>
             </a:r>
           </a:p>
           <a:p>
-            <a:endParaRPr lang="en-US" dirty="0" smtClean="0"/>
-          </a:p>
-          <a:p>
-            <a:r>
-              <a:rPr lang="en-US" dirty="0" smtClean="0"/>
+            <a:endParaRPr lang="en-US" dirty="0"/>
+          </a:p>
+          <a:p>
+            <a:r>
+              <a:rPr lang="en-US" dirty="0"/>
               <a:t>Start</a:t>
             </a:r>
             <a:r>
-              <a:rPr lang="en-US" baseline="0" dirty="0" smtClean="0"/>
+              <a:rPr lang="en-US" baseline="0" dirty="0"/>
               <a:t> by writing the following on the whiteboard (leave a lot of space around the tags):</a:t>
             </a:r>
           </a:p>
           <a:p>
-            <a:endParaRPr lang="en-US" baseline="0" dirty="0" smtClean="0"/>
-          </a:p>
-          <a:p>
-            <a:r>
-              <a:rPr lang="en-US" b="1" baseline="0" dirty="0" smtClean="0"/>
+            <a:endParaRPr lang="en-US" baseline="0" dirty="0"/>
+          </a:p>
+          <a:p>
+            <a:r>
+              <a:rPr lang="en-US" b="1" baseline="0" dirty="0"/>
               <a:t>&lt;county name=“Cuyahoga”&gt;</a:t>
             </a:r>
           </a:p>
           <a:p>
-            <a:endParaRPr lang="en-US" b="1" baseline="0" dirty="0" smtClean="0"/>
-          </a:p>
-          <a:p>
-            <a:r>
-              <a:rPr lang="en-US" b="1" baseline="0" dirty="0" smtClean="0"/>
+            <a:endParaRPr lang="en-US" b="1" baseline="0" dirty="0"/>
+          </a:p>
+          <a:p>
+            <a:r>
+              <a:rPr lang="en-US" b="1" baseline="0" dirty="0"/>
               <a:t>&lt;/county&gt;</a:t>
             </a:r>
           </a:p>
           <a:p>
-            <a:endParaRPr lang="en-US" baseline="0" dirty="0" smtClean="0"/>
-          </a:p>
-          <a:p>
-            <a:r>
-              <a:rPr lang="en-US" b="0" baseline="0" dirty="0" smtClean="0"/>
+            <a:endParaRPr lang="en-US" baseline="0" dirty="0"/>
+          </a:p>
+          <a:p>
+            <a:r>
+              <a:rPr lang="en-US" b="0" baseline="0" dirty="0"/>
               <a:t>Ask what goes within a county – a city! Add that to the code:</a:t>
             </a:r>
           </a:p>
           <a:p>
-            <a:endParaRPr lang="en-US" b="0" baseline="0" dirty="0" smtClean="0"/>
-          </a:p>
-          <a:p>
-            <a:r>
-              <a:rPr lang="en-US" b="1" baseline="0" dirty="0" smtClean="0"/>
+            <a:endParaRPr lang="en-US" b="0" baseline="0" dirty="0"/>
+          </a:p>
+          <a:p>
+            <a:r>
+              <a:rPr lang="en-US" b="1" baseline="0" dirty="0"/>
               <a:t>&lt;county name=“Cuyahoga”&gt;</a:t>
             </a:r>
           </a:p>
           <a:p>
             <a:r>
-              <a:rPr lang="en-US" b="1" baseline="0" dirty="0" smtClean="0"/>
+              <a:rPr lang="en-US" b="1" baseline="0" dirty="0"/>
               <a:t>    &lt;city name=“Westlake”&gt;&lt;/city&gt;</a:t>
             </a:r>
           </a:p>
           <a:p>
             <a:r>
-              <a:rPr lang="en-US" b="1" baseline="0" dirty="0" smtClean="0"/>
+              <a:rPr lang="en-US" b="1" baseline="0" dirty="0"/>
               <a:t>&lt;/county&gt;</a:t>
             </a:r>
           </a:p>
           <a:p>
-            <a:endParaRPr lang="en-US" b="1" baseline="0" dirty="0" smtClean="0"/>
-          </a:p>
-          <a:p>
-            <a:r>
-              <a:rPr lang="en-US" b="0" baseline="0" dirty="0" smtClean="0"/>
+            <a:endParaRPr lang="en-US" b="1" baseline="0" dirty="0"/>
+          </a:p>
+          <a:p>
+            <a:r>
+              <a:rPr lang="en-US" b="0" baseline="0" dirty="0"/>
               <a:t>Ask what goes around a county – a state! Add that to the code:</a:t>
             </a:r>
           </a:p>
           <a:p>
-            <a:endParaRPr lang="en-US" b="0" baseline="0" dirty="0" smtClean="0"/>
-          </a:p>
-          <a:p>
-            <a:r>
-              <a:rPr lang="en-US" b="1" baseline="0" dirty="0" smtClean="0"/>
+            <a:endParaRPr lang="en-US" b="0" baseline="0" dirty="0"/>
+          </a:p>
+          <a:p>
+            <a:r>
+              <a:rPr lang="en-US" b="1" baseline="0" dirty="0"/>
               <a:t>&lt;state name=“Ohio”&gt;</a:t>
             </a:r>
           </a:p>
           <a:p>
             <a:r>
-              <a:rPr lang="en-US" b="1" baseline="0" dirty="0" smtClean="0"/>
+              <a:rPr lang="en-US" b="1" baseline="0" dirty="0"/>
               <a:t>    &lt;county name=“Cuyahoga”&gt;</a:t>
             </a:r>
           </a:p>
           <a:p>
             <a:r>
-              <a:rPr lang="en-US" b="1" baseline="0" dirty="0" smtClean="0"/>
+              <a:rPr lang="en-US" b="1" baseline="0" dirty="0"/>
               <a:t>        &lt;city name=“Westlake”&gt;&lt;/city&gt;</a:t>
             </a:r>
           </a:p>
           <a:p>
             <a:r>
-              <a:rPr lang="en-US" b="1" baseline="0" dirty="0" smtClean="0"/>
+              <a:rPr lang="en-US" b="1" baseline="0" dirty="0"/>
               <a:t>    &lt;/county&gt;</a:t>
             </a:r>
           </a:p>
           <a:p>
             <a:r>
-              <a:rPr lang="en-US" b="1" baseline="0" dirty="0" smtClean="0"/>
+              <a:rPr lang="en-US" b="1" baseline="0" dirty="0"/>
               <a:t>&lt;/state&gt;</a:t>
             </a:r>
-            <a:endParaRPr lang="en-US" b="0" baseline="0" dirty="0" smtClean="0"/>
-          </a:p>
-          <a:p>
-            <a:endParaRPr lang="en-US" b="0" baseline="0" dirty="0" smtClean="0"/>
-          </a:p>
-          <a:p>
-            <a:r>
-              <a:rPr lang="en-US" b="0" baseline="0" dirty="0" smtClean="0"/>
+            <a:endParaRPr lang="en-US" b="0" baseline="0" dirty="0"/>
+          </a:p>
+          <a:p>
+            <a:endParaRPr lang="en-US" b="0" baseline="0" dirty="0"/>
+          </a:p>
+          <a:p>
+            <a:r>
+              <a:rPr lang="en-US" b="0" baseline="0" dirty="0"/>
               <a:t>Use this concept to explain nesting. Explain parent/child relationships. The next slide has an example using lists.</a:t>
             </a:r>
-            <a:endParaRPr lang="en-US" b="1" baseline="0" dirty="0" smtClean="0"/>
+            <a:endParaRPr lang="en-US" b="1" baseline="0" dirty="0"/>
           </a:p>
         </p:txBody>
       </p:sp>
@@ -1340,15 +1338,15 @@
           <a:lstStyle/>
           <a:p>
             <a:r>
-              <a:rPr lang="en-US" dirty="0" smtClean="0"/>
+              <a:rPr lang="en-US" dirty="0"/>
               <a:t>Visit the </a:t>
             </a:r>
             <a:r>
-              <a:rPr lang="en-US" dirty="0" err="1" smtClean="0"/>
+              <a:rPr lang="en-US" dirty="0" err="1"/>
               <a:t>Repl</a:t>
             </a:r>
             <a:r>
-              <a:rPr lang="en-US" dirty="0" smtClean="0"/>
+              <a:rPr lang="en-US" dirty="0"/>
               <a:t> to show lists in action.</a:t>
             </a:r>
           </a:p>
@@ -1358,7 +1356,7 @@
               <a:buChar char="-"/>
             </a:pPr>
             <a:r>
-              <a:rPr lang="en-US" dirty="0" smtClean="0"/>
+              <a:rPr lang="en-US" dirty="0"/>
               <a:t>Here we really want to emphasize the hierarchical structure of HTML</a:t>
             </a:r>
           </a:p>
@@ -1368,26 +1366,17 @@
               <a:buChar char="-"/>
             </a:pPr>
             <a:r>
-              <a:rPr lang="en-US" dirty="0" smtClean="0"/>
-              <a:t>Also show switching from &lt;</a:t>
-            </a:r>
-            <a:r>
-              <a:rPr lang="en-US" dirty="0" err="1" smtClean="0"/>
-              <a:t>ul</a:t>
-            </a:r>
-            <a:r>
-              <a:rPr lang="en-US" dirty="0" smtClean="0"/>
-              <a:t>&gt; to &lt;</a:t>
-            </a:r>
-            <a:r>
-              <a:rPr lang="en-US" dirty="0" err="1" smtClean="0"/>
+              <a:rPr lang="en-US" dirty="0"/>
+              <a:t>Also show the difference between </a:t>
+            </a:r>
+            <a:r>
+              <a:rPr lang="en-US" dirty="0" err="1"/>
               <a:t>ol</a:t>
             </a:r>
             <a:r>
-              <a:rPr lang="en-US" dirty="0" smtClean="0"/>
-              <a:t>&gt;</a:t>
-            </a:r>
-            <a:endParaRPr lang="en-US" dirty="0"/>
+              <a:rPr lang="en-US" dirty="0"/>
+              <a:t> and ul</a:t>
+            </a:r>
           </a:p>
         </p:txBody>
       </p:sp>
@@ -1476,11 +1465,11 @@
               <a:buChar char="-"/>
             </a:pPr>
             <a:r>
-              <a:rPr lang="en-US" dirty="0" smtClean="0"/>
+              <a:rPr lang="en-US" dirty="0"/>
               <a:t>Ask the students to</a:t>
             </a:r>
             <a:r>
-              <a:rPr lang="en-US" baseline="0" dirty="0" smtClean="0"/>
+              <a:rPr lang="en-US" baseline="0" dirty="0"/>
               <a:t> guess how each of these input types might appear</a:t>
             </a:r>
           </a:p>
@@ -1570,7 +1559,7 @@
               <a:buFontTx/>
               <a:buNone/>
             </a:pPr>
-            <a:endParaRPr lang="en-US" baseline="0" dirty="0" smtClean="0"/>
+            <a:endParaRPr lang="en-US" baseline="0" dirty="0"/>
           </a:p>
         </p:txBody>
       </p:sp>
@@ -1750,15 +1739,7 @@
           <a:p>
             <a:r>
               <a:rPr lang="en-US" dirty="0"/>
-              <a:t>Click to edit Master </a:t>
-            </a:r>
-            <a:r>
-              <a:rPr lang="en-US" dirty="0" smtClean="0"/>
-              <a:t>subtitle </a:t>
-            </a:r>
-            <a:r>
-              <a:rPr lang="en-US" dirty="0"/>
-              <a:t>style</a:t>
+              <a:t>Click to edit Master subtitle style</a:t>
             </a:r>
           </a:p>
         </p:txBody>
@@ -1800,7 +1781,7 @@
             <a:fld id="{1C2D31DE-C454-491C-B5C3-F097855E3DF7}" type="datetime4">
               <a:rPr lang="en-US" smtClean="0"/>
               <a:pPr/>
-              <a:t>March 20, 2020</a:t>
+              <a:t>March 18, 2022</a:t>
             </a:fld>
             <a:endParaRPr lang="en-US" dirty="0"/>
           </a:p>
@@ -4874,17 +4855,16 @@
           <a:p>
             <a:pPr lvl="0"/>
             <a:r>
-              <a:rPr lang="en-US" dirty="0" smtClean="0"/>
+              <a:rPr lang="en-US" dirty="0"/>
               <a:t>Presenter Name</a:t>
             </a:r>
             <a:br>
-              <a:rPr lang="en-US" dirty="0" smtClean="0"/>
+              <a:rPr lang="en-US" dirty="0"/>
             </a:br>
             <a:r>
-              <a:rPr lang="en-US" dirty="0" smtClean="0"/>
+              <a:rPr lang="en-US" dirty="0"/>
               <a:t>Presenter Title</a:t>
             </a:r>
-            <a:endParaRPr lang="en-US" dirty="0"/>
           </a:p>
         </p:txBody>
       </p:sp>
@@ -4901,13 +4881,6 @@
   <p:transition>
     <p:fade/>
   </p:transition>
-  <p:timing>
-    <p:tnLst>
-      <p:par>
-        <p:cTn id="1" dur="indefinite" restart="never" nodeType="tmRoot"/>
-      </p:par>
-    </p:tnLst>
-  </p:timing>
   <p:hf sldNum="0" hdr="0" ftr="0"/>
 </p:sldLayout>
 </file>
@@ -5200,7 +5173,7 @@
           <a:p>
             <a:fld id="{5958763E-B898-436D-883D-03711491D54A}" type="datetimeFigureOut">
               <a:rPr lang="en-US" smtClean="0"/>
-              <a:t>3/20/2020</a:t>
+              <a:t>3/18/2022</a:t>
             </a:fld>
             <a:endParaRPr lang="en-US"/>
           </a:p>
@@ -5273,13 +5246,6 @@
   <p:transition>
     <p:fade/>
   </p:transition>
-  <p:timing>
-    <p:tnLst>
-      <p:par>
-        <p:cTn id="1" dur="indefinite" restart="never" nodeType="tmRoot"/>
-      </p:par>
-    </p:tnLst>
-  </p:timing>
 </p:sldLayout>
 </file>
 
@@ -5328,10 +5294,9 @@
           </a:lstStyle>
           <a:p>
             <a:r>
-              <a:rPr lang="en-US" dirty="0" smtClean="0"/>
+              <a:rPr lang="en-US" dirty="0"/>
               <a:t>Click icon to add picture</a:t>
             </a:r>
-            <a:endParaRPr lang="en-US" dirty="0"/>
           </a:p>
         </p:txBody>
       </p:sp>
@@ -5401,7 +5366,7 @@
           <a:p>
             <a:fld id="{5958763E-B898-436D-883D-03711491D54A}" type="datetimeFigureOut">
               <a:rPr lang="en-US" smtClean="0"/>
-              <a:t>3/20/2020</a:t>
+              <a:t>3/18/2022</a:t>
             </a:fld>
             <a:endParaRPr lang="en-US"/>
           </a:p>
@@ -5474,13 +5439,6 @@
   <p:transition>
     <p:fade/>
   </p:transition>
-  <p:timing>
-    <p:tnLst>
-      <p:par>
-        <p:cTn id="1" dur="indefinite" restart="never" nodeType="tmRoot"/>
-      </p:par>
-    </p:tnLst>
-  </p:timing>
 </p:sldLayout>
 </file>
 
@@ -5658,7 +5616,7 @@
           <a:p>
             <a:fld id="{5958763E-B898-436D-883D-03711491D54A}" type="datetimeFigureOut">
               <a:rPr lang="en-US" smtClean="0"/>
-              <a:t>3/20/2020</a:t>
+              <a:t>3/18/2022</a:t>
             </a:fld>
             <a:endParaRPr lang="en-US"/>
           </a:p>
@@ -5731,13 +5689,6 @@
   <p:transition>
     <p:fade/>
   </p:transition>
-  <p:timing>
-    <p:tnLst>
-      <p:par>
-        <p:cTn id="1" dur="indefinite" restart="never" nodeType="tmRoot"/>
-      </p:par>
-    </p:tnLst>
-  </p:timing>
 </p:sldLayout>
 </file>
 
@@ -6013,7 +5964,7 @@
           <a:p>
             <a:fld id="{5958763E-B898-436D-883D-03711491D54A}" type="datetimeFigureOut">
               <a:rPr lang="en-US" smtClean="0"/>
-              <a:t>3/20/2020</a:t>
+              <a:t>3/18/2022</a:t>
             </a:fld>
             <a:endParaRPr lang="en-US"/>
           </a:p>
@@ -6074,13 +6025,6 @@
   <p:transition>
     <p:fade/>
   </p:transition>
-  <p:timing>
-    <p:tnLst>
-      <p:par>
-        <p:cTn id="1" dur="indefinite" restart="never" nodeType="tmRoot"/>
-      </p:par>
-    </p:tnLst>
-  </p:timing>
 </p:sldLayout>
 </file>
 
@@ -6436,7 +6380,7 @@
           <a:p>
             <a:fld id="{5958763E-B898-436D-883D-03711491D54A}" type="datetimeFigureOut">
               <a:rPr lang="en-US" smtClean="0"/>
-              <a:t>3/20/2020</a:t>
+              <a:t>3/18/2022</a:t>
             </a:fld>
             <a:endParaRPr lang="en-US"/>
           </a:p>
@@ -6497,13 +6441,6 @@
   <p:transition>
     <p:fade/>
   </p:transition>
-  <p:timing>
-    <p:tnLst>
-      <p:par>
-        <p:cTn id="1" dur="indefinite" restart="never" nodeType="tmRoot"/>
-      </p:par>
-    </p:tnLst>
-  </p:timing>
 </p:sldLayout>
 </file>
 
@@ -6944,7 +6881,7 @@
           <a:p>
             <a:fld id="{5958763E-B898-436D-883D-03711491D54A}" type="datetimeFigureOut">
               <a:rPr lang="en-US" smtClean="0"/>
-              <a:t>3/20/2020</a:t>
+              <a:t>3/18/2022</a:t>
             </a:fld>
             <a:endParaRPr lang="en-US"/>
           </a:p>
@@ -7005,13 +6942,6 @@
   <p:transition>
     <p:fade/>
   </p:transition>
-  <p:timing>
-    <p:tnLst>
-      <p:par>
-        <p:cTn id="1" dur="indefinite" restart="never" nodeType="tmRoot"/>
-      </p:par>
-    </p:tnLst>
-  </p:timing>
 </p:sldLayout>
 </file>
 
@@ -7402,7 +7332,7 @@
           <a:p>
             <a:fld id="{5958763E-B898-436D-883D-03711491D54A}" type="datetimeFigureOut">
               <a:rPr lang="en-US" smtClean="0"/>
-              <a:t>3/20/2020</a:t>
+              <a:t>3/18/2022</a:t>
             </a:fld>
             <a:endParaRPr lang="en-US"/>
           </a:p>
@@ -7463,13 +7393,6 @@
   <p:transition>
     <p:fade/>
   </p:transition>
-  <p:timing>
-    <p:tnLst>
-      <p:par>
-        <p:cTn id="1" dur="indefinite" restart="never" nodeType="tmRoot"/>
-      </p:par>
-    </p:tnLst>
-  </p:timing>
 </p:sldLayout>
 </file>
 
@@ -8020,7 +7943,7 @@
           <a:p>
             <a:fld id="{5958763E-B898-436D-883D-03711491D54A}" type="datetimeFigureOut">
               <a:rPr lang="en-US" smtClean="0"/>
-              <a:t>3/20/2020</a:t>
+              <a:t>3/18/2022</a:t>
             </a:fld>
             <a:endParaRPr lang="en-US"/>
           </a:p>
@@ -8081,13 +8004,6 @@
   <p:transition>
     <p:fade/>
   </p:transition>
-  <p:timing>
-    <p:tnLst>
-      <p:par>
-        <p:cTn id="1" dur="indefinite" restart="never" nodeType="tmRoot"/>
-      </p:par>
-    </p:tnLst>
-  </p:timing>
 </p:sldLayout>
 </file>
 
@@ -8798,7 +8714,7 @@
           <a:p>
             <a:fld id="{5958763E-B898-436D-883D-03711491D54A}" type="datetimeFigureOut">
               <a:rPr lang="en-US" smtClean="0"/>
-              <a:t>3/20/2020</a:t>
+              <a:t>3/18/2022</a:t>
             </a:fld>
             <a:endParaRPr lang="en-US"/>
           </a:p>
@@ -8859,13 +8775,6 @@
   <p:transition>
     <p:fade/>
   </p:transition>
-  <p:timing>
-    <p:tnLst>
-      <p:par>
-        <p:cTn id="1" dur="indefinite" restart="never" nodeType="tmRoot"/>
-      </p:par>
-    </p:tnLst>
-  </p:timing>
 </p:sldLayout>
 </file>
 
@@ -8909,7 +8818,7 @@
           <a:p>
             <a:fld id="{5958763E-B898-436D-883D-03711491D54A}" type="datetimeFigureOut">
               <a:rPr lang="en-US" smtClean="0"/>
-              <a:t>3/20/2020</a:t>
+              <a:t>3/18/2022</a:t>
             </a:fld>
             <a:endParaRPr lang="en-US"/>
           </a:p>
@@ -8982,13 +8891,6 @@
   <p:transition>
     <p:fade/>
   </p:transition>
-  <p:timing>
-    <p:tnLst>
-      <p:par>
-        <p:cTn id="1" dur="indefinite" restart="never" nodeType="tmRoot"/>
-      </p:par>
-    </p:tnLst>
-  </p:timing>
 </p:sldLayout>
 </file>
 
@@ -9068,7 +8970,7 @@
                 <a:spcPct val="0"/>
               </a:spcAft>
             </a:pPr>
-            <a:endParaRPr lang="en-US" sz="2400" dirty="0" err="1" smtClean="0">
+            <a:endParaRPr lang="en-US" sz="2400" dirty="0" err="1">
               <a:gradFill>
                 <a:gsLst>
                   <a:gs pos="0">
@@ -9201,15 +9103,7 @@
           <a:p>
             <a:r>
               <a:rPr lang="en-US" dirty="0"/>
-              <a:t>Click to edit Master </a:t>
-            </a:r>
-            <a:r>
-              <a:rPr lang="en-US" dirty="0" smtClean="0"/>
-              <a:t>subtitle </a:t>
-            </a:r>
-            <a:r>
-              <a:rPr lang="en-US" dirty="0"/>
-              <a:t>style</a:t>
+              <a:t>Click to edit Master subtitle style</a:t>
             </a:r>
           </a:p>
         </p:txBody>
@@ -9251,7 +9145,7 @@
             <a:fld id="{1C2D31DE-C454-491C-B5C3-F097855E3DF7}" type="datetime4">
               <a:rPr lang="en-US" smtClean="0"/>
               <a:pPr/>
-              <a:t>March 20, 2020</a:t>
+              <a:t>March 18, 2022</a:t>
             </a:fld>
             <a:endParaRPr lang="en-US" dirty="0"/>
           </a:p>
@@ -12325,17 +12219,16 @@
           <a:p>
             <a:pPr lvl="0"/>
             <a:r>
-              <a:rPr lang="en-US" dirty="0" smtClean="0"/>
+              <a:rPr lang="en-US" dirty="0"/>
               <a:t>Presenter Name</a:t>
             </a:r>
             <a:br>
-              <a:rPr lang="en-US" dirty="0" smtClean="0"/>
+              <a:rPr lang="en-US" dirty="0"/>
             </a:br>
             <a:r>
-              <a:rPr lang="en-US" dirty="0" smtClean="0"/>
+              <a:rPr lang="en-US" dirty="0"/>
               <a:t>Presenter Title</a:t>
             </a:r>
-            <a:endParaRPr lang="en-US" dirty="0"/>
           </a:p>
         </p:txBody>
       </p:sp>
@@ -12352,13 +12245,6 @@
   <p:transition>
     <p:fade/>
   </p:transition>
-  <p:timing>
-    <p:tnLst>
-      <p:par>
-        <p:cTn id="1" dur="indefinite" restart="never" nodeType="tmRoot"/>
-      </p:par>
-    </p:tnLst>
-  </p:timing>
   <p:hf sldNum="0" hdr="0" ftr="0"/>
 </p:sldLayout>
 </file>
@@ -12411,7 +12297,7 @@
           <a:p>
             <a:fld id="{5958763E-B898-436D-883D-03711491D54A}" type="datetimeFigureOut">
               <a:rPr lang="en-US" smtClean="0"/>
-              <a:t>3/20/2020</a:t>
+              <a:t>3/18/2022</a:t>
             </a:fld>
             <a:endParaRPr lang="en-US"/>
           </a:p>
@@ -12484,13 +12370,6 @@
   <p:transition>
     <p:fade/>
   </p:transition>
-  <p:timing>
-    <p:tnLst>
-      <p:par>
-        <p:cTn id="1" dur="indefinite" restart="never" nodeType="tmRoot"/>
-      </p:par>
-    </p:tnLst>
-  </p:timing>
 </p:sldLayout>
 </file>
 
@@ -12542,7 +12421,7 @@
           <a:p>
             <a:fld id="{5958763E-B898-436D-883D-03711491D54A}" type="datetimeFigureOut">
               <a:rPr lang="en-US" smtClean="0"/>
-              <a:t>3/20/2020</a:t>
+              <a:t>3/18/2022</a:t>
             </a:fld>
             <a:endParaRPr lang="en-US"/>
           </a:p>
@@ -12615,13 +12494,6 @@
   <p:transition>
     <p:fade/>
   </p:transition>
-  <p:timing>
-    <p:tnLst>
-      <p:par>
-        <p:cTn id="1" dur="indefinite" restart="never" nodeType="tmRoot"/>
-      </p:par>
-    </p:tnLst>
-  </p:timing>
 </p:sldLayout>
 </file>
 
@@ -12673,7 +12545,7 @@
           <a:p>
             <a:fld id="{5958763E-B898-436D-883D-03711491D54A}" type="datetimeFigureOut">
               <a:rPr lang="en-US" smtClean="0"/>
-              <a:t>3/20/2020</a:t>
+              <a:t>3/18/2022</a:t>
             </a:fld>
             <a:endParaRPr lang="en-US"/>
           </a:p>
@@ -12746,13 +12618,6 @@
   <p:transition>
     <p:fade/>
   </p:transition>
-  <p:timing>
-    <p:tnLst>
-      <p:par>
-        <p:cTn id="1" dur="indefinite" restart="never" nodeType="tmRoot"/>
-      </p:par>
-    </p:tnLst>
-  </p:timing>
 </p:sldLayout>
 </file>
 
@@ -12804,7 +12669,7 @@
           <a:p>
             <a:fld id="{5958763E-B898-436D-883D-03711491D54A}" type="datetimeFigureOut">
               <a:rPr lang="en-US" smtClean="0"/>
-              <a:t>3/20/2020</a:t>
+              <a:t>3/18/2022</a:t>
             </a:fld>
             <a:endParaRPr lang="en-US"/>
           </a:p>
@@ -12877,13 +12742,6 @@
   <p:transition>
     <p:fade/>
   </p:transition>
-  <p:timing>
-    <p:tnLst>
-      <p:par>
-        <p:cTn id="1" dur="indefinite" restart="never" nodeType="tmRoot"/>
-      </p:par>
-    </p:tnLst>
-  </p:timing>
 </p:sldLayout>
 </file>
 
@@ -12935,7 +12793,7 @@
           <a:p>
             <a:fld id="{5958763E-B898-436D-883D-03711491D54A}" type="datetimeFigureOut">
               <a:rPr lang="en-US" smtClean="0"/>
-              <a:t>3/20/2020</a:t>
+              <a:t>3/18/2022</a:t>
             </a:fld>
             <a:endParaRPr lang="en-US"/>
           </a:p>
@@ -13008,13 +12866,6 @@
   <p:transition>
     <p:fade/>
   </p:transition>
-  <p:timing>
-    <p:tnLst>
-      <p:par>
-        <p:cTn id="1" dur="indefinite" restart="never" nodeType="tmRoot"/>
-      </p:par>
-    </p:tnLst>
-  </p:timing>
 </p:sldLayout>
 </file>
 
@@ -13066,7 +12917,7 @@
           <a:p>
             <a:fld id="{5958763E-B898-436D-883D-03711491D54A}" type="datetimeFigureOut">
               <a:rPr lang="en-US" smtClean="0"/>
-              <a:t>3/20/2020</a:t>
+              <a:t>3/18/2022</a:t>
             </a:fld>
             <a:endParaRPr lang="en-US"/>
           </a:p>
@@ -13139,13 +12990,6 @@
   <p:transition>
     <p:fade/>
   </p:transition>
-  <p:timing>
-    <p:tnLst>
-      <p:par>
-        <p:cTn id="1" dur="indefinite" restart="never" nodeType="tmRoot"/>
-      </p:par>
-    </p:tnLst>
-  </p:timing>
 </p:sldLayout>
 </file>
 
@@ -13197,7 +13041,7 @@
           <a:p>
             <a:fld id="{5958763E-B898-436D-883D-03711491D54A}" type="datetimeFigureOut">
               <a:rPr lang="en-US" smtClean="0"/>
-              <a:t>3/20/2020</a:t>
+              <a:t>3/18/2022</a:t>
             </a:fld>
             <a:endParaRPr lang="en-US"/>
           </a:p>
@@ -13270,13 +13114,6 @@
   <p:transition>
     <p:fade/>
   </p:transition>
-  <p:timing>
-    <p:tnLst>
-      <p:par>
-        <p:cTn id="1" dur="indefinite" restart="never" nodeType="tmRoot"/>
-      </p:par>
-    </p:tnLst>
-  </p:timing>
 </p:sldLayout>
 </file>
 
@@ -13328,7 +13165,7 @@
           <a:p>
             <a:fld id="{5958763E-B898-436D-883D-03711491D54A}" type="datetimeFigureOut">
               <a:rPr lang="en-US" smtClean="0"/>
-              <a:t>3/20/2020</a:t>
+              <a:t>3/18/2022</a:t>
             </a:fld>
             <a:endParaRPr lang="en-US"/>
           </a:p>
@@ -13401,13 +13238,6 @@
   <p:transition>
     <p:fade/>
   </p:transition>
-  <p:timing>
-    <p:tnLst>
-      <p:par>
-        <p:cTn id="1" dur="indefinite" restart="never" nodeType="tmRoot"/>
-      </p:par>
-    </p:tnLst>
-  </p:timing>
 </p:sldLayout>
 </file>
 
@@ -13468,7 +13298,7 @@
           <a:p>
             <a:fld id="{5958763E-B898-436D-883D-03711491D54A}" type="datetimeFigureOut">
               <a:rPr lang="en-US" smtClean="0"/>
-              <a:t>3/20/2020</a:t>
+              <a:t>3/18/2022</a:t>
             </a:fld>
             <a:endParaRPr lang="en-US"/>
           </a:p>
@@ -13541,13 +13371,6 @@
   <p:transition>
     <p:fade/>
   </p:transition>
-  <p:timing>
-    <p:tnLst>
-      <p:par>
-        <p:cTn id="1" dur="indefinite" restart="never" nodeType="tmRoot"/>
-      </p:par>
-    </p:tnLst>
-  </p:timing>
 </p:sldLayout>
 </file>
 
@@ -16549,13 +16372,6 @@
   <p:transition>
     <p:fade/>
   </p:transition>
-  <p:timing>
-    <p:tnLst>
-      <p:par>
-        <p:cTn id="1" dur="indefinite" restart="never" nodeType="tmRoot"/>
-      </p:par>
-    </p:tnLst>
-  </p:timing>
 </p:sldLayout>
 </file>
 
@@ -16643,7 +16459,7 @@
                 <a:spcPct val="0"/>
               </a:spcAft>
             </a:pPr>
-            <a:endParaRPr lang="en-US" sz="2400" dirty="0" err="1" smtClean="0">
+            <a:endParaRPr lang="en-US" sz="2400" dirty="0" err="1">
               <a:gradFill>
                 <a:gsLst>
                   <a:gs pos="0">
@@ -16779,15 +16595,7 @@
           <a:p>
             <a:r>
               <a:rPr lang="en-US" dirty="0"/>
-              <a:t>Click to edit Master </a:t>
-            </a:r>
-            <a:r>
-              <a:rPr lang="en-US" dirty="0" smtClean="0"/>
-              <a:t>subtitle </a:t>
-            </a:r>
-            <a:r>
-              <a:rPr lang="en-US" dirty="0"/>
-              <a:t>style</a:t>
+              <a:t>Click to edit Master subtitle style</a:t>
             </a:r>
           </a:p>
         </p:txBody>
@@ -16829,7 +16637,7 @@
             <a:fld id="{1C2D31DE-C454-491C-B5C3-F097855E3DF7}" type="datetime4">
               <a:rPr lang="en-US" smtClean="0"/>
               <a:pPr/>
-              <a:t>March 20, 2020</a:t>
+              <a:t>March 18, 2022</a:t>
             </a:fld>
             <a:endParaRPr lang="en-US" dirty="0"/>
           </a:p>
@@ -19911,17 +19719,16 @@
           <a:p>
             <a:pPr lvl="0"/>
             <a:r>
-              <a:rPr lang="en-US" dirty="0" smtClean="0"/>
+              <a:rPr lang="en-US" dirty="0"/>
               <a:t>Presenter Name</a:t>
             </a:r>
             <a:br>
-              <a:rPr lang="en-US" dirty="0" smtClean="0"/>
+              <a:rPr lang="en-US" dirty="0"/>
             </a:br>
             <a:r>
-              <a:rPr lang="en-US" dirty="0" smtClean="0"/>
+              <a:rPr lang="en-US" dirty="0"/>
               <a:t>Presenter Title</a:t>
             </a:r>
-            <a:endParaRPr lang="en-US" dirty="0"/>
           </a:p>
         </p:txBody>
       </p:sp>
@@ -19938,13 +19745,6 @@
   <p:transition>
     <p:fade/>
   </p:transition>
-  <p:timing>
-    <p:tnLst>
-      <p:par>
-        <p:cTn id="1" dur="indefinite" restart="never" nodeType="tmRoot"/>
-      </p:par>
-    </p:tnLst>
-  </p:timing>
   <p:hf sldNum="0" hdr="0" ftr="0"/>
 </p:sldLayout>
 </file>
@@ -27454,10 +27254,9 @@
           <a:p>
             <a:pPr lvl="0"/>
             <a:r>
-              <a:rPr lang="en-US" dirty="0" smtClean="0"/>
+              <a:rPr lang="en-US" dirty="0"/>
               <a:t>&lt;Call to action&gt;</a:t>
             </a:r>
-            <a:endParaRPr lang="en-US" dirty="0"/>
           </a:p>
         </p:txBody>
       </p:sp>
@@ -29074,7 +28873,7 @@
           <a:p>
             <a:fld id="{5958763E-B898-436D-883D-03711491D54A}" type="datetimeFigureOut">
               <a:rPr lang="en-US" smtClean="0"/>
-              <a:t>3/20/2020</a:t>
+              <a:t>3/18/2022</a:t>
             </a:fld>
             <a:endParaRPr lang="en-US"/>
           </a:p>
@@ -29201,7 +29000,7 @@
                 <a:spcPct val="0"/>
               </a:spcAft>
             </a:pPr>
-            <a:endParaRPr lang="en-US" sz="2400" dirty="0" err="1" smtClean="0">
+            <a:endParaRPr lang="en-US" sz="2400" dirty="0" err="1">
               <a:gradFill>
                 <a:gsLst>
                   <a:gs pos="0">
@@ -29232,13 +29031,6 @@
   <p:transition>
     <p:fade/>
   </p:transition>
-  <p:timing>
-    <p:tnLst>
-      <p:par>
-        <p:cTn id="1" dur="indefinite" restart="never" nodeType="tmRoot"/>
-      </p:par>
-    </p:tnLst>
-  </p:timing>
 </p:sldLayout>
 </file>
 
@@ -29483,7 +29275,7 @@
           <a:p>
             <a:fld id="{5958763E-B898-436D-883D-03711491D54A}" type="datetimeFigureOut">
               <a:rPr lang="en-US" smtClean="0"/>
-              <a:t>3/20/2020</a:t>
+              <a:t>3/18/2022</a:t>
             </a:fld>
             <a:endParaRPr lang="en-US"/>
           </a:p>
@@ -29556,13 +29348,6 @@
   <p:transition>
     <p:fade/>
   </p:transition>
-  <p:timing>
-    <p:tnLst>
-      <p:par>
-        <p:cTn id="1" dur="indefinite" restart="never" nodeType="tmRoot"/>
-      </p:par>
-    </p:tnLst>
-  </p:timing>
 </p:sldLayout>
 </file>
 
@@ -29784,7 +29569,7 @@
           <a:p>
             <a:fld id="{5958763E-B898-436D-883D-03711491D54A}" type="datetimeFigureOut">
               <a:rPr lang="en-US" smtClean="0"/>
-              <a:t>3/20/2020</a:t>
+              <a:t>3/18/2022</a:t>
             </a:fld>
             <a:endParaRPr lang="en-US"/>
           </a:p>
@@ -29857,13 +29642,6 @@
   <p:transition>
     <p:fade/>
   </p:transition>
-  <p:timing>
-    <p:tnLst>
-      <p:par>
-        <p:cTn id="1" dur="indefinite" restart="never" nodeType="tmRoot"/>
-      </p:par>
-    </p:tnLst>
-  </p:timing>
 </p:sldLayout>
 </file>
 
@@ -29992,7 +29770,7 @@
           <a:p>
             <a:fld id="{5958763E-B898-436D-883D-03711491D54A}" type="datetimeFigureOut">
               <a:rPr lang="en-US" smtClean="0"/>
-              <a:t>3/20/2020</a:t>
+              <a:t>3/18/2022</a:t>
             </a:fld>
             <a:endParaRPr lang="en-US"/>
           </a:p>
@@ -30115,13 +29893,6 @@
   <p:transition>
     <p:fade/>
   </p:transition>
-  <p:timing>
-    <p:tnLst>
-      <p:par>
-        <p:cTn id="1" dur="indefinite" restart="never" nodeType="tmRoot"/>
-      </p:par>
-    </p:tnLst>
-  </p:timing>
 </p:sldLayout>
 </file>
 
@@ -30260,7 +30031,7 @@
           <a:p>
             <a:fld id="{5958763E-B898-436D-883D-03711491D54A}" type="datetimeFigureOut">
               <a:rPr lang="en-US" smtClean="0"/>
-              <a:t>3/20/2020</a:t>
+              <a:t>3/18/2022</a:t>
             </a:fld>
             <a:endParaRPr lang="en-US"/>
           </a:p>
@@ -30387,13 +30158,6 @@
   <p:transition>
     <p:fade/>
   </p:transition>
-  <p:timing>
-    <p:tnLst>
-      <p:par>
-        <p:cTn id="1" dur="indefinite" restart="never" nodeType="tmRoot"/>
-      </p:par>
-    </p:tnLst>
-  </p:timing>
 </p:sldLayout>
 </file>
 
@@ -30555,7 +30319,7 @@
                 <a:spcPct val="0"/>
               </a:spcAft>
             </a:pPr>
-            <a:endParaRPr lang="en-US" sz="2400" dirty="0" err="1" smtClean="0">
+            <a:endParaRPr lang="en-US" sz="2400" dirty="0" err="1">
               <a:gradFill>
                 <a:gsLst>
                   <a:gs pos="0">
@@ -30606,10 +30370,9 @@
           </a:lstStyle>
           <a:p>
             <a:r>
-              <a:rPr lang="en-US" dirty="0" smtClean="0"/>
+              <a:rPr lang="en-US" dirty="0"/>
               <a:t>Type “Agenda”</a:t>
             </a:r>
-            <a:endParaRPr lang="en-US" dirty="0"/>
           </a:p>
         </p:txBody>
       </p:sp>
@@ -30733,24 +30496,23 @@
           <a:p>
             <a:pPr lvl="0"/>
             <a:r>
-              <a:rPr lang="en-US" dirty="0" smtClean="0"/>
+              <a:rPr lang="en-US" dirty="0"/>
               <a:t>Item 1</a:t>
             </a:r>
           </a:p>
           <a:p>
             <a:pPr lvl="0"/>
             <a:r>
-              <a:rPr lang="en-US" dirty="0" smtClean="0"/>
+              <a:rPr lang="en-US" dirty="0"/>
               <a:t>Item 2</a:t>
             </a:r>
           </a:p>
           <a:p>
             <a:pPr lvl="0"/>
             <a:r>
-              <a:rPr lang="en-US" dirty="0" smtClean="0"/>
+              <a:rPr lang="en-US" dirty="0"/>
               <a:t>Item 3</a:t>
             </a:r>
-            <a:endParaRPr lang="en-US" dirty="0"/>
           </a:p>
         </p:txBody>
       </p:sp>
@@ -30777,7 +30539,7 @@
           <a:p>
             <a:fld id="{5958763E-B898-436D-883D-03711491D54A}" type="datetimeFigureOut">
               <a:rPr lang="en-US" smtClean="0"/>
-              <a:t>3/20/2020</a:t>
+              <a:t>3/18/2022</a:t>
             </a:fld>
             <a:endParaRPr lang="en-US"/>
           </a:p>
@@ -30884,13 +30646,6 @@
   <p:transition>
     <p:fade/>
   </p:transition>
-  <p:timing>
-    <p:tnLst>
-      <p:par>
-        <p:cTn id="1" dur="indefinite" restart="never" nodeType="tmRoot"/>
-      </p:par>
-    </p:tnLst>
-  </p:timing>
 </p:sldLayout>
 </file>
 
@@ -31052,7 +30807,7 @@
                 <a:spcPct val="0"/>
               </a:spcAft>
             </a:pPr>
-            <a:endParaRPr lang="en-US" sz="2400" dirty="0" err="1" smtClean="0">
+            <a:endParaRPr lang="en-US" sz="2400" dirty="0" err="1">
               <a:gradFill>
                 <a:gsLst>
                   <a:gs pos="0">
@@ -31105,10 +30860,9 @@
           </a:lstStyle>
           <a:p>
             <a:r>
-              <a:rPr lang="en-US" dirty="0" smtClean="0"/>
+              <a:rPr lang="en-US" dirty="0"/>
               <a:t>Notable Quote</a:t>
             </a:r>
-            <a:endParaRPr lang="en-US" dirty="0"/>
           </a:p>
         </p:txBody>
       </p:sp>
@@ -31235,10 +30989,9 @@
           <a:p>
             <a:pPr lvl="0"/>
             <a:r>
-              <a:rPr lang="en-US" dirty="0" smtClean="0"/>
+              <a:rPr lang="en-US" dirty="0"/>
               <a:t>– Attribution</a:t>
             </a:r>
-            <a:endParaRPr lang="en-US" dirty="0"/>
           </a:p>
         </p:txBody>
       </p:sp>
@@ -31265,7 +31018,7 @@
           <a:p>
             <a:fld id="{5958763E-B898-436D-883D-03711491D54A}" type="datetimeFigureOut">
               <a:rPr lang="en-US" smtClean="0"/>
-              <a:t>3/20/2020</a:t>
+              <a:t>3/18/2022</a:t>
             </a:fld>
             <a:endParaRPr lang="en-US"/>
           </a:p>
@@ -32013,13 +31766,6 @@
   <p:transition>
     <p:fade/>
   </p:transition>
-  <p:timing>
-    <p:tnLst>
-      <p:par>
-        <p:cTn id="1" dur="indefinite" restart="never" nodeType="tmRoot"/>
-      </p:par>
-    </p:tnLst>
-  </p:timing>
 </p:sldLayout>
 </file>
 
@@ -32091,7 +31837,7 @@
           <a:p>
             <a:fld id="{5958763E-B898-436D-883D-03711491D54A}" type="datetimeFigureOut">
               <a:rPr lang="en-US" smtClean="0"/>
-              <a:t>3/20/2020</a:t>
+              <a:t>3/18/2022</a:t>
             </a:fld>
             <a:endParaRPr lang="en-US"/>
           </a:p>
@@ -32164,13 +31910,6 @@
   <p:transition>
     <p:fade/>
   </p:transition>
-  <p:timing>
-    <p:tnLst>
-      <p:par>
-        <p:cTn id="1" dur="indefinite" restart="never" nodeType="tmRoot"/>
-      </p:par>
-    </p:tnLst>
-  </p:timing>
 </p:sldLayout>
 </file>
 
@@ -32299,7 +32038,7 @@
           <a:p>
             <a:fld id="{5958763E-B898-436D-883D-03711491D54A}" type="datetimeFigureOut">
               <a:rPr lang="en-US" smtClean="0"/>
-              <a:t>3/20/2020</a:t>
+              <a:t>3/18/2022</a:t>
             </a:fld>
             <a:endParaRPr lang="en-US"/>
           </a:p>
@@ -32422,13 +32161,6 @@
   <p:transition>
     <p:fade/>
   </p:transition>
-  <p:timing>
-    <p:tnLst>
-      <p:par>
-        <p:cTn id="1" dur="indefinite" restart="never" nodeType="tmRoot"/>
-      </p:par>
-    </p:tnLst>
-  </p:timing>
 </p:sldLayout>
 </file>
 
@@ -32641,7 +32373,7 @@
           <a:p>
             <a:fld id="{5958763E-B898-436D-883D-03711491D54A}" type="datetimeFigureOut">
               <a:rPr lang="en-US" smtClean="0"/>
-              <a:t>3/20/2020</a:t>
+              <a:t>3/18/2022</a:t>
             </a:fld>
             <a:endParaRPr lang="en-US"/>
           </a:p>
@@ -32714,13 +32446,6 @@
   <p:transition>
     <p:fade/>
   </p:transition>
-  <p:timing>
-    <p:tnLst>
-      <p:par>
-        <p:cTn id="1" dur="indefinite" restart="never" nodeType="tmRoot"/>
-      </p:par>
-    </p:tnLst>
-  </p:timing>
 </p:sldLayout>
 </file>
 
@@ -32878,7 +32603,7 @@
           <a:p>
             <a:fld id="{5958763E-B898-436D-883D-03711491D54A}" type="datetimeFigureOut">
               <a:rPr lang="en-US" smtClean="0"/>
-              <a:t>3/20/2020</a:t>
+              <a:t>3/18/2022</a:t>
             </a:fld>
             <a:endParaRPr lang="en-US"/>
           </a:p>
@@ -32951,13 +32676,6 @@
   <p:transition>
     <p:fade/>
   </p:transition>
-  <p:timing>
-    <p:tnLst>
-      <p:par>
-        <p:cTn id="1" dur="indefinite" restart="never" nodeType="tmRoot"/>
-      </p:par>
-    </p:tnLst>
-  </p:timing>
 </p:sldLayout>
 </file>
 
@@ -33129,7 +32847,7 @@
           <a:p>
             <a:fld id="{5958763E-B898-436D-883D-03711491D54A}" type="datetimeFigureOut">
               <a:rPr lang="en-US" smtClean="0"/>
-              <a:t>3/20/2020</a:t>
+              <a:t>3/18/2022</a:t>
             </a:fld>
             <a:endParaRPr lang="en-US"/>
           </a:p>
@@ -33275,13 +32993,6 @@
   <p:transition>
     <p:fade/>
   </p:transition>
-  <p:timing>
-    <p:tnLst>
-      <p:par>
-        <p:cTn id="1" dur="indefinite" restart="never" nodeType="tmRoot"/>
-      </p:par>
-    </p:tnLst>
-  </p:timing>
   <p:txStyles>
     <p:titleStyle>
       <a:lvl1pPr algn="l" defTabSz="914400" rtl="0" eaLnBrk="1" latinLnBrk="0" hangingPunct="1">
@@ -33586,7 +33297,7 @@
       </a:lvl9pPr>
     </p:otherStyle>
   </p:txStyles>
-  <p:extLst mod="1">
+  <p:extLst>
     <p:ext uri="{27BBF7A9-308A-43DC-89C8-2F10F3537804}">
       <p15:sldGuideLst xmlns:p15="http://schemas.microsoft.com/office/powerpoint/2012/main">
         <p15:guide id="1" orient="horz" pos="2160" userDrawn="1">
@@ -33665,10 +33376,9 @@
           <a:lstStyle/>
           <a:p>
             <a:r>
-              <a:rPr lang="en-US" sz="6600" dirty="0" smtClean="0"/>
+              <a:rPr lang="en-US" sz="6600" dirty="0"/>
               <a:t>More HTML Elements</a:t>
             </a:r>
-            <a:endParaRPr lang="en-US" sz="6600" dirty="0"/>
           </a:p>
         </p:txBody>
       </p:sp>
@@ -33693,10 +33403,9 @@
           <a:lstStyle/>
           <a:p>
             <a:r>
-              <a:rPr lang="en-US" dirty="0" smtClean="0"/>
+              <a:rPr lang="en-US" dirty="0"/>
               <a:t>Hy-Tech Club: Web 101</a:t>
             </a:r>
-            <a:endParaRPr lang="en-US" dirty="0"/>
           </a:p>
         </p:txBody>
       </p:sp>
@@ -36681,13 +36390,6 @@
   <p:transition>
     <p:fade/>
   </p:transition>
-  <p:timing>
-    <p:tnLst>
-      <p:par>
-        <p:cTn id="1" dur="indefinite" restart="never" nodeType="tmRoot"/>
-      </p:par>
-    </p:tnLst>
-  </p:timing>
 </p:sld>
 </file>
 
@@ -36724,10 +36426,9 @@
           <a:lstStyle/>
           <a:p>
             <a:r>
-              <a:rPr lang="en-US" dirty="0" smtClean="0"/>
+              <a:rPr lang="en-US" dirty="0"/>
               <a:t>Nesting activity</a:t>
             </a:r>
-            <a:endParaRPr lang="en-US" dirty="0"/>
           </a:p>
         </p:txBody>
       </p:sp>
@@ -36785,13 +36486,6 @@
   <p:transition>
     <p:fade/>
   </p:transition>
-  <p:timing>
-    <p:tnLst>
-      <p:par>
-        <p:cTn id="1" dur="indefinite" restart="never" nodeType="tmRoot"/>
-      </p:par>
-    </p:tnLst>
-  </p:timing>
 </p:sld>
 </file>
 
@@ -36828,10 +36522,9 @@
           <a:lstStyle/>
           <a:p>
             <a:r>
-              <a:rPr lang="en-US" dirty="0" smtClean="0"/>
+              <a:rPr lang="en-US" dirty="0"/>
               <a:t>List Example</a:t>
             </a:r>
-            <a:endParaRPr lang="en-US" dirty="0"/>
           </a:p>
         </p:txBody>
       </p:sp>
@@ -36859,7 +36552,7 @@
               <a:rPr lang="en-US" sz="11500" dirty="0">
                 <a:hlinkClick r:id="rId3"/>
               </a:rPr>
-              <a:t>https://repl.it/repls/HuskyIcyBuckets</a:t>
+              <a:t>https://replit.com/@HylandOutreach/ListExample</a:t>
             </a:r>
             <a:endParaRPr lang="en-US" sz="13800" dirty="0"/>
           </a:p>
@@ -36878,13 +36571,6 @@
   <p:transition>
     <p:fade/>
   </p:transition>
-  <p:timing>
-    <p:tnLst>
-      <p:par>
-        <p:cTn id="1" dur="indefinite" restart="never" nodeType="tmRoot"/>
-      </p:par>
-    </p:tnLst>
-  </p:timing>
 </p:sld>
 </file>
 
@@ -36931,7 +36617,7 @@
           <a:lstStyle/>
           <a:p>
             <a:r>
-              <a:rPr lang="en-US" dirty="0" smtClean="0">
+              <a:rPr lang="en-US" dirty="0">
                 <a:solidFill>
                   <a:schemeClr val="accent6"/>
                 </a:solidFill>
@@ -36939,7 +36625,7 @@
               <a:t>The </a:t>
             </a:r>
             <a:r>
-              <a:rPr lang="en-US" sz="4000" cap="none" dirty="0" smtClean="0">
+              <a:rPr lang="en-US" sz="4000" cap="none" dirty="0">
                 <a:solidFill>
                   <a:schemeClr val="accent1">
                     <a:lumMod val="60000"/>
@@ -36951,7 +36637,7 @@
               <a:t>input</a:t>
             </a:r>
             <a:r>
-              <a:rPr lang="en-US" dirty="0" smtClean="0">
+              <a:rPr lang="en-US" dirty="0">
                 <a:solidFill>
                   <a:schemeClr val="accent6"/>
                 </a:solidFill>
@@ -36992,7 +36678,7 @@
           <a:lstStyle/>
           <a:p>
             <a:r>
-              <a:rPr lang="en-US" sz="3200" b="1" dirty="0" smtClean="0">
+              <a:rPr lang="en-US" sz="3200" b="1" dirty="0">
                 <a:solidFill>
                   <a:schemeClr val="accent1">
                     <a:lumMod val="60000"/>
@@ -37004,7 +36690,7 @@
               <a:t>input</a:t>
             </a:r>
             <a:r>
-              <a:rPr lang="en-US" dirty="0" smtClean="0">
+              <a:rPr lang="en-US" dirty="0">
                 <a:solidFill>
                   <a:schemeClr val="bg1"/>
                 </a:solidFill>
@@ -37014,7 +36700,7 @@
           </a:p>
           <a:p>
             <a:r>
-              <a:rPr lang="en-US" dirty="0" smtClean="0">
+              <a:rPr lang="en-US" dirty="0">
                 <a:solidFill>
                   <a:schemeClr val="bg1"/>
                 </a:solidFill>
@@ -37022,7 +36708,7 @@
               <a:t>The </a:t>
             </a:r>
             <a:r>
-              <a:rPr lang="en-US" sz="3200" b="1" dirty="0" smtClean="0">
+              <a:rPr lang="en-US" sz="3200" b="1" dirty="0">
                 <a:solidFill>
                   <a:schemeClr val="accent1">
                     <a:lumMod val="60000"/>
@@ -37034,7 +36720,7 @@
               <a:t>type</a:t>
             </a:r>
             <a:r>
-              <a:rPr lang="en-US" dirty="0" smtClean="0">
+              <a:rPr lang="en-US" dirty="0">
                 <a:solidFill>
                   <a:schemeClr val="bg1"/>
                 </a:solidFill>
@@ -37042,7 +36728,7 @@
               <a:t> attribute determines how the </a:t>
             </a:r>
             <a:r>
-              <a:rPr lang="en-US" sz="3200" b="1" dirty="0" smtClean="0">
+              <a:rPr lang="en-US" sz="3200" b="1" dirty="0">
                 <a:solidFill>
                   <a:schemeClr val="accent1">
                     <a:lumMod val="60000"/>
@@ -37054,7 +36740,7 @@
               <a:t>input</a:t>
             </a:r>
             <a:r>
-              <a:rPr lang="en-US" dirty="0" smtClean="0">
+              <a:rPr lang="en-US" dirty="0">
                 <a:solidFill>
                   <a:schemeClr val="bg1"/>
                 </a:solidFill>
@@ -37064,7 +36750,7 @@
           </a:p>
           <a:p>
             <a:r>
-              <a:rPr lang="en-US" dirty="0" smtClean="0">
+              <a:rPr lang="en-US" dirty="0">
                 <a:solidFill>
                   <a:schemeClr val="bg1"/>
                 </a:solidFill>
@@ -37072,7 +36758,7 @@
               <a:t>It is a </a:t>
             </a:r>
             <a:r>
-              <a:rPr lang="en-US" i="1" dirty="0" smtClean="0">
+              <a:rPr lang="en-US" i="1" dirty="0">
                 <a:solidFill>
                   <a:schemeClr val="bg1"/>
                 </a:solidFill>
@@ -37915,7 +37601,7 @@
           <a:lstStyle/>
           <a:p>
             <a:r>
-              <a:rPr lang="en-US" dirty="0" smtClean="0">
+              <a:rPr lang="en-US" dirty="0">
                 <a:solidFill>
                   <a:schemeClr val="accent6"/>
                 </a:solidFill>
@@ -37956,7 +37642,7 @@
           <a:lstStyle/>
           <a:p>
             <a:r>
-              <a:rPr lang="en-US" sz="3200" b="1" dirty="0" err="1" smtClean="0">
+              <a:rPr lang="en-US" sz="3200" b="1" dirty="0" err="1">
                 <a:solidFill>
                   <a:schemeClr val="accent1">
                     <a:lumMod val="60000"/>
@@ -37968,7 +37654,7 @@
               <a:t>textarea</a:t>
             </a:r>
             <a:r>
-              <a:rPr lang="en-US" dirty="0" smtClean="0">
+              <a:rPr lang="en-US" dirty="0">
                 <a:solidFill>
                   <a:schemeClr val="bg1"/>
                 </a:solidFill>
@@ -37978,7 +37664,7 @@
           </a:p>
           <a:p>
             <a:r>
-              <a:rPr lang="en-US" sz="3200" b="1" dirty="0" smtClean="0">
+              <a:rPr lang="en-US" sz="3200" b="1" dirty="0">
                 <a:solidFill>
                   <a:schemeClr val="accent1">
                     <a:lumMod val="60000"/>
@@ -37990,7 +37676,7 @@
               <a:t>select</a:t>
             </a:r>
             <a:r>
-              <a:rPr lang="en-US" dirty="0" smtClean="0">
+              <a:rPr lang="en-US" dirty="0">
                 <a:solidFill>
                   <a:schemeClr val="bg1"/>
                 </a:solidFill>
@@ -37998,7 +37684,7 @@
               <a:t> and </a:t>
             </a:r>
             <a:r>
-              <a:rPr lang="en-US" sz="3200" b="1" dirty="0" smtClean="0">
+              <a:rPr lang="en-US" sz="3200" b="1" dirty="0">
                 <a:solidFill>
                   <a:srgbClr val="54C8E8">
                     <a:lumMod val="60000"/>
@@ -38015,21 +37701,8 @@
                   <a:schemeClr val="bg1"/>
                 </a:solidFill>
               </a:rPr>
-              <a:t> </a:t>
-            </a:r>
-            <a:r>
-              <a:rPr lang="en-US" dirty="0" smtClean="0">
-                <a:solidFill>
-                  <a:schemeClr val="bg1"/>
-                </a:solidFill>
-              </a:rPr>
-              <a:t>are used to create a dropdown list</a:t>
-            </a:r>
-            <a:endParaRPr lang="en-US" dirty="0">
-              <a:solidFill>
-                <a:schemeClr val="bg1"/>
-              </a:solidFill>
-            </a:endParaRPr>
+              <a:t> are used to create a dropdown list</a:t>
+            </a:r>
           </a:p>
         </p:txBody>
       </p:sp>
@@ -38617,7 +38290,7 @@
           <a:lstStyle/>
           <a:p>
             <a:r>
-              <a:rPr lang="en-US" smtClean="0"/>
+              <a:rPr lang="en-US"/>
               <a:t>input Examples</a:t>
             </a:r>
             <a:endParaRPr lang="en-US" dirty="0"/>
@@ -38648,7 +38321,13 @@
               <a:rPr lang="en-US" sz="11500" dirty="0">
                 <a:hlinkClick r:id="rId3"/>
               </a:rPr>
-              <a:t>https://repl.it/repls/RowdyPowerlessPreprocessor</a:t>
+              <a:t>https://replit.com/@HylandOutreach</a:t>
+            </a:r>
+            <a:r>
+              <a:rPr lang="en-US" sz="11500">
+                <a:hlinkClick r:id="rId3"/>
+              </a:rPr>
+              <a:t>/InputExamples</a:t>
             </a:r>
             <a:endParaRPr lang="en-US" sz="16600" dirty="0"/>
           </a:p>
@@ -38667,13 +38346,6 @@
   <p:transition>
     <p:fade/>
   </p:transition>
-  <p:timing>
-    <p:tnLst>
-      <p:par>
-        <p:cTn id="1" dur="indefinite" restart="never" nodeType="tmRoot"/>
-      </p:par>
-    </p:tnLst>
-  </p:timing>
 </p:sld>
 </file>
 
@@ -38710,10 +38382,9 @@
           <a:lstStyle/>
           <a:p>
             <a:r>
-              <a:rPr lang="en-US" dirty="0" smtClean="0"/>
+              <a:rPr lang="en-US" dirty="0"/>
               <a:t>Agenda</a:t>
             </a:r>
-            <a:endParaRPr lang="en-US" dirty="0"/>
           </a:p>
         </p:txBody>
       </p:sp>
@@ -38733,16 +38404,15 @@
           <a:lstStyle/>
           <a:p>
             <a:r>
-              <a:rPr lang="en-US" dirty="0" smtClean="0"/>
+              <a:rPr lang="en-US" dirty="0"/>
               <a:t>HTML Attributes</a:t>
             </a:r>
           </a:p>
           <a:p>
             <a:r>
-              <a:rPr lang="en-US" dirty="0" smtClean="0"/>
+              <a:rPr lang="en-US" dirty="0"/>
               <a:t>HTML Lists &amp; Inputs</a:t>
             </a:r>
-            <a:endParaRPr lang="en-US" dirty="0"/>
           </a:p>
         </p:txBody>
       </p:sp>
@@ -38759,13 +38429,6 @@
   <p:transition>
     <p:fade/>
   </p:transition>
-  <p:timing>
-    <p:tnLst>
-      <p:par>
-        <p:cTn id="1" dur="indefinite" restart="never" nodeType="tmRoot"/>
-      </p:par>
-    </p:tnLst>
-  </p:timing>
 </p:sld>
 </file>
 
@@ -38802,10 +38465,9 @@
           <a:lstStyle/>
           <a:p>
             <a:r>
-              <a:rPr lang="en-US" dirty="0" smtClean="0"/>
+              <a:rPr lang="en-US" dirty="0"/>
               <a:t>HTML Attributes</a:t>
             </a:r>
-            <a:endParaRPr lang="en-US" dirty="0"/>
           </a:p>
         </p:txBody>
       </p:sp>
@@ -38861,13 +38523,6 @@
   <p:transition>
     <p:fade/>
   </p:transition>
-  <p:timing>
-    <p:tnLst>
-      <p:par>
-        <p:cTn id="1" dur="indefinite" restart="never" nodeType="tmRoot"/>
-      </p:par>
-    </p:tnLst>
-  </p:timing>
 </p:sld>
 </file>
 
@@ -38914,10 +38569,9 @@
           <a:lstStyle/>
           <a:p>
             <a:r>
-              <a:rPr lang="en-US" dirty="0" smtClean="0"/>
+              <a:rPr lang="en-US" dirty="0"/>
               <a:t>Attribute example: The anchor element</a:t>
             </a:r>
-            <a:endParaRPr lang="en-US" dirty="0"/>
           </a:p>
         </p:txBody>
       </p:sp>
@@ -38946,7 +38600,7 @@
             <a:pPr marL="57150" indent="0" algn="ctr">
               <a:buNone/>
             </a:pPr>
-            <a:endParaRPr lang="en-US" sz="3600" dirty="0" smtClean="0">
+            <a:endParaRPr lang="en-US" sz="3600" dirty="0">
               <a:solidFill>
                 <a:srgbClr val="808080"/>
               </a:solidFill>
@@ -38958,7 +38612,7 @@
               <a:buNone/>
             </a:pPr>
             <a:r>
-              <a:rPr lang="en-US" sz="3600" dirty="0" smtClean="0">
+              <a:rPr lang="en-US" sz="3600" dirty="0">
                 <a:solidFill>
                   <a:srgbClr val="808080"/>
                 </a:solidFill>
@@ -39009,19 +38663,10 @@
                 </a:solidFill>
                 <a:latin typeface="Consolas" panose="020B0609020204030204" pitchFamily="49" charset="0"/>
               </a:rPr>
-              <a:t>"</a:t>
-            </a:r>
-            <a:r>
-              <a:rPr lang="en-US" sz="3600" dirty="0" smtClean="0">
-                <a:solidFill>
-                  <a:srgbClr val="CE9178"/>
-                </a:solidFill>
-                <a:latin typeface="Consolas" panose="020B0609020204030204" pitchFamily="49" charset="0"/>
-              </a:rPr>
-              <a:t>http://wikipedia.org/"</a:t>
-            </a:r>
-            <a:r>
-              <a:rPr lang="en-US" sz="3600" dirty="0" smtClean="0">
+              <a:t>"http://wikipedia.org/"</a:t>
+            </a:r>
+            <a:r>
+              <a:rPr lang="en-US" sz="3600" dirty="0">
                 <a:solidFill>
                   <a:srgbClr val="808080"/>
                 </a:solidFill>
@@ -39057,7 +38702,7 @@
               <a:t>a</a:t>
             </a:r>
             <a:r>
-              <a:rPr lang="en-US" sz="3600" dirty="0" smtClean="0">
+              <a:rPr lang="en-US" sz="3600" dirty="0">
                 <a:solidFill>
                   <a:srgbClr val="808080"/>
                 </a:solidFill>
@@ -39137,7 +38782,7 @@
                 <a:spcPct val="0"/>
               </a:spcAft>
             </a:pPr>
-            <a:endParaRPr lang="en-US" sz="2400" dirty="0" err="1" smtClean="0">
+            <a:endParaRPr lang="en-US" sz="2400" dirty="0" err="1">
               <a:gradFill>
                 <a:gsLst>
                   <a:gs pos="0">
@@ -39186,7 +38831,7 @@
               </a:spcAft>
             </a:pPr>
             <a:r>
-              <a:rPr lang="en-US" sz="4000" b="1" dirty="0" smtClean="0">
+              <a:rPr lang="en-US" sz="4000" b="1" dirty="0">
                 <a:solidFill>
                   <a:schemeClr val="accent6"/>
                 </a:solidFill>
@@ -39194,7 +38839,7 @@
               <a:t>Q:</a:t>
             </a:r>
             <a:r>
-              <a:rPr lang="en-US" sz="4000" dirty="0" smtClean="0">
+              <a:rPr lang="en-US" sz="4000" dirty="0">
                 <a:solidFill>
                   <a:schemeClr val="accent6"/>
                 </a:solidFill>
@@ -39211,7 +38856,7 @@
               <a:t>href</a:t>
             </a:r>
             <a:r>
-              <a:rPr lang="en-US" sz="4000" dirty="0" smtClean="0">
+              <a:rPr lang="en-US" sz="4000" dirty="0">
                 <a:solidFill>
                   <a:schemeClr val="accent6"/>
                 </a:solidFill>
@@ -39252,7 +38897,7 @@
               </a:spcAft>
             </a:pPr>
             <a:r>
-              <a:rPr lang="en-US" sz="4000" b="1" dirty="0" smtClean="0">
+              <a:rPr lang="en-US" sz="4000" b="1" dirty="0">
                 <a:solidFill>
                   <a:schemeClr val="accent6"/>
                 </a:solidFill>
@@ -39260,7 +38905,7 @@
               <a:t>A: </a:t>
             </a:r>
             <a:r>
-              <a:rPr lang="en-US" sz="4000" dirty="0" smtClean="0">
+              <a:rPr lang="en-US" sz="4000" dirty="0">
                 <a:solidFill>
                   <a:schemeClr val="accent6"/>
                 </a:solidFill>
@@ -39277,7 +38922,7 @@
               <a:t>href</a:t>
             </a:r>
             <a:r>
-              <a:rPr lang="en-US" sz="4000" dirty="0" smtClean="0">
+              <a:rPr lang="en-US" sz="4000" dirty="0">
                 <a:solidFill>
                   <a:schemeClr val="accent6"/>
                 </a:solidFill>
@@ -39285,7 +38930,7 @@
               <a:t> </a:t>
             </a:r>
             <a:r>
-              <a:rPr lang="en-US" sz="4000" i="1" dirty="0" smtClean="0">
+              <a:rPr lang="en-US" sz="4000" i="1" dirty="0">
                 <a:solidFill>
                   <a:schemeClr val="accent6"/>
                 </a:solidFill>
@@ -39293,7 +38938,7 @@
               <a:t>attribute</a:t>
             </a:r>
             <a:r>
-              <a:rPr lang="en-US" sz="4000" dirty="0" smtClean="0">
+              <a:rPr lang="en-US" sz="4000" dirty="0">
                 <a:solidFill>
                   <a:schemeClr val="accent6"/>
                 </a:solidFill>
@@ -39528,10 +39173,9 @@
           <a:lstStyle/>
           <a:p>
             <a:r>
-              <a:rPr lang="en-US" dirty="0" smtClean="0"/>
+              <a:rPr lang="en-US" dirty="0"/>
               <a:t>What are attributes?</a:t>
             </a:r>
-            <a:endParaRPr lang="en-US" dirty="0"/>
           </a:p>
         </p:txBody>
       </p:sp>
@@ -39553,14 +39197,14 @@
           <a:lstStyle/>
           <a:p>
             <a:r>
-              <a:rPr lang="en-US" dirty="0" smtClean="0"/>
+              <a:rPr lang="en-US" dirty="0"/>
               <a:t>Attributes add extra information to HTML elements</a:t>
             </a:r>
           </a:p>
           <a:p>
             <a:pPr lvl="1"/>
             <a:r>
-              <a:rPr lang="en-US" dirty="0" smtClean="0"/>
+              <a:rPr lang="en-US" dirty="0"/>
               <a:t>They allow developers to customize the behavior of elements</a:t>
             </a:r>
           </a:p>
@@ -39570,15 +39214,15 @@
           </a:p>
           <a:p>
             <a:r>
-              <a:rPr lang="en-US" dirty="0" smtClean="0"/>
+              <a:rPr lang="en-US" dirty="0"/>
               <a:t>Attributes go inside of the </a:t>
             </a:r>
             <a:r>
-              <a:rPr lang="en-US" i="1" dirty="0" smtClean="0"/>
+              <a:rPr lang="en-US" i="1" dirty="0"/>
               <a:t>opening tag</a:t>
             </a:r>
             <a:r>
-              <a:rPr lang="en-US" dirty="0" smtClean="0"/>
+              <a:rPr lang="en-US" dirty="0"/>
               <a:t> of an HTML element</a:t>
             </a:r>
           </a:p>
@@ -39647,7 +39291,7 @@
               <a:t> </a:t>
             </a:r>
             <a:r>
-              <a:rPr lang="en-US" sz="5400" dirty="0" smtClean="0">
+              <a:rPr lang="en-US" sz="5400" dirty="0">
                 <a:solidFill>
                   <a:srgbClr val="800000"/>
                 </a:solidFill>
@@ -39663,20 +39307,19 @@
             </a:endParaRPr>
           </a:p>
           <a:p>
-            <a:endParaRPr lang="en-US" dirty="0" smtClean="0"/>
-          </a:p>
-          <a:p>
-            <a:r>
-              <a:rPr lang="en-US" dirty="0" smtClean="0"/>
+            <a:endParaRPr lang="en-US" dirty="0"/>
+          </a:p>
+          <a:p>
+            <a:r>
+              <a:rPr lang="en-US" dirty="0"/>
               <a:t>Attribute name, equals sign, quotation marks, attribute value</a:t>
             </a:r>
-            <a:endParaRPr lang="en-US" dirty="0"/>
           </a:p>
           <a:p>
             <a:pPr marL="57150" indent="0">
               <a:buNone/>
             </a:pPr>
-            <a:endParaRPr lang="en-US" dirty="0" smtClean="0"/>
+            <a:endParaRPr lang="en-US" dirty="0"/>
           </a:p>
           <a:p>
             <a:endParaRPr lang="en-US" dirty="0"/>
@@ -39685,7 +39328,7 @@
             <a:pPr marL="57150" indent="0">
               <a:buNone/>
             </a:pPr>
-            <a:endParaRPr lang="en-US" dirty="0" smtClean="0"/>
+            <a:endParaRPr lang="en-US" dirty="0"/>
           </a:p>
         </p:txBody>
       </p:sp>
@@ -40058,10 +39701,9 @@
           <a:lstStyle/>
           <a:p>
             <a:r>
-              <a:rPr lang="en-US" dirty="0" smtClean="0"/>
+              <a:rPr lang="en-US" dirty="0"/>
               <a:t>Mini-quiz</a:t>
             </a:r>
-            <a:endParaRPr lang="en-US" dirty="0"/>
           </a:p>
         </p:txBody>
       </p:sp>
@@ -40084,7 +39726,7 @@
               <a:buNone/>
             </a:pPr>
             <a:r>
-              <a:rPr lang="en-US" sz="4800" dirty="0" smtClean="0">
+              <a:rPr lang="en-US" sz="4800" dirty="0">
                 <a:solidFill>
                   <a:srgbClr val="800000"/>
                 </a:solidFill>
@@ -40120,7 +39762,7 @@
               <a:t>src</a:t>
             </a:r>
             <a:r>
-              <a:rPr lang="en-US" sz="4800" dirty="0" smtClean="0">
+              <a:rPr lang="en-US" sz="4800" dirty="0">
                 <a:solidFill>
                   <a:srgbClr val="000000"/>
                 </a:solidFill>
@@ -40129,7 +39771,7 @@
               <a:t>=</a:t>
             </a:r>
             <a:r>
-              <a:rPr lang="en-US" sz="4800" dirty="0" smtClean="0">
+              <a:rPr lang="en-US" sz="4800" dirty="0">
                 <a:solidFill>
                   <a:srgbClr val="0000FF"/>
                 </a:solidFill>
@@ -40147,7 +39789,7 @@
               <a:t> </a:t>
             </a:r>
             <a:r>
-              <a:rPr lang="en-US" sz="4800" dirty="0" smtClean="0">
+              <a:rPr lang="en-US" sz="4800" dirty="0">
                 <a:solidFill>
                   <a:srgbClr val="800000"/>
                 </a:solidFill>
@@ -40162,7 +39804,7 @@
                 <a:srgbClr val="98989A"/>
               </a:buClr>
             </a:pPr>
-            <a:endParaRPr lang="en-US" dirty="0" smtClean="0">
+            <a:endParaRPr lang="en-US" dirty="0">
               <a:solidFill>
                 <a:srgbClr val="56565A"/>
               </a:solidFill>
@@ -40176,7 +39818,7 @@
               <a:buNone/>
             </a:pPr>
             <a:r>
-              <a:rPr lang="en-US" sz="4000" dirty="0" smtClean="0">
+              <a:rPr lang="en-US" sz="4000" dirty="0">
                 <a:solidFill>
                   <a:srgbClr val="56565A"/>
                 </a:solidFill>
@@ -40184,7 +39826,7 @@
               <a:t>What is the </a:t>
             </a:r>
             <a:r>
-              <a:rPr lang="en-US" sz="4000" i="1" dirty="0" smtClean="0">
+              <a:rPr lang="en-US" sz="4000" i="1" dirty="0">
                 <a:solidFill>
                   <a:srgbClr val="56565A"/>
                 </a:solidFill>
@@ -40192,7 +39834,7 @@
               <a:t>attribute name</a:t>
             </a:r>
             <a:r>
-              <a:rPr lang="en-US" sz="4000" dirty="0" smtClean="0">
+              <a:rPr lang="en-US" sz="4000" dirty="0">
                 <a:solidFill>
                   <a:srgbClr val="56565A"/>
                 </a:solidFill>
@@ -40216,7 +39858,7 @@
               </a:rPr>
               <a:t>src</a:t>
             </a:r>
-            <a:endParaRPr lang="en-US" sz="4800" dirty="0" smtClean="0">
+            <a:endParaRPr lang="en-US" sz="4800" dirty="0">
               <a:solidFill>
                 <a:srgbClr val="56565A"/>
               </a:solidFill>
@@ -40230,7 +39872,7 @@
               <a:buNone/>
             </a:pPr>
             <a:r>
-              <a:rPr lang="en-US" sz="4000" dirty="0" smtClean="0">
+              <a:rPr lang="en-US" sz="4000" dirty="0">
                 <a:solidFill>
                   <a:srgbClr val="56565A"/>
                 </a:solidFill>
@@ -40238,7 +39880,7 @@
               <a:t>What is the </a:t>
             </a:r>
             <a:r>
-              <a:rPr lang="en-US" sz="4000" i="1" dirty="0" smtClean="0">
+              <a:rPr lang="en-US" sz="4000" i="1" dirty="0">
                 <a:solidFill>
                   <a:srgbClr val="56565A"/>
                 </a:solidFill>
@@ -40246,7 +39888,7 @@
               <a:t>attribute value</a:t>
             </a:r>
             <a:r>
-              <a:rPr lang="en-US" sz="4000" dirty="0" smtClean="0">
+              <a:rPr lang="en-US" sz="4000" dirty="0">
                 <a:solidFill>
                   <a:srgbClr val="56565A"/>
                 </a:solidFill>
@@ -40270,7 +39912,7 @@
               </a:rPr>
               <a:t>dog.png</a:t>
             </a:r>
-            <a:endParaRPr lang="en-US" sz="4800" dirty="0" smtClean="0">
+            <a:endParaRPr lang="en-US" sz="4800" dirty="0">
               <a:solidFill>
                 <a:srgbClr val="56565A"/>
               </a:solidFill>
@@ -40280,7 +39922,7 @@
             <a:pPr marL="57150" indent="0" algn="ctr">
               <a:buNone/>
             </a:pPr>
-            <a:endParaRPr lang="en-US" sz="4800" dirty="0" smtClean="0">
+            <a:endParaRPr lang="en-US" sz="4800" dirty="0">
               <a:solidFill>
                 <a:srgbClr val="800000"/>
               </a:solidFill>
@@ -40693,10 +40335,9 @@
           <a:lstStyle/>
           <a:p>
             <a:r>
-              <a:rPr lang="en-US" dirty="0" smtClean="0"/>
+              <a:rPr lang="en-US" dirty="0"/>
               <a:t>Attributes Examples</a:t>
             </a:r>
-            <a:endParaRPr lang="en-US" dirty="0"/>
           </a:p>
         </p:txBody>
       </p:sp>
@@ -40713,7 +40354,7 @@
         <p:spPr/>
         <p:txBody>
           <a:bodyPr>
-            <a:normAutofit/>
+            <a:normAutofit fontScale="92500"/>
           </a:bodyPr>
           <a:lstStyle/>
           <a:p>
@@ -40724,7 +40365,7 @@
               <a:rPr lang="en-US" sz="11500" dirty="0">
                 <a:hlinkClick r:id="rId3"/>
               </a:rPr>
-              <a:t>https://repl.it/repls/CharmingMotionlessUtility</a:t>
+              <a:t>https://replit.com/@HylandOutreach/AttributesExample</a:t>
             </a:r>
             <a:endParaRPr lang="en-US" sz="11500" dirty="0"/>
           </a:p>
@@ -40743,13 +40384,6 @@
   <p:transition>
     <p:fade/>
   </p:transition>
-  <p:timing>
-    <p:tnLst>
-      <p:par>
-        <p:cTn id="1" dur="indefinite" restart="never" nodeType="tmRoot"/>
-      </p:par>
-    </p:tnLst>
-  </p:timing>
 </p:sld>
 </file>
 
@@ -40791,10 +40425,9 @@
           <a:lstStyle/>
           <a:p>
             <a:r>
-              <a:rPr lang="en-US" dirty="0" smtClean="0"/>
+              <a:rPr lang="en-US" dirty="0"/>
               <a:t>More HTML Elements</a:t>
             </a:r>
-            <a:endParaRPr lang="en-US" dirty="0"/>
           </a:p>
         </p:txBody>
       </p:sp>
@@ -40841,13 +40474,6 @@
   <p:transition>
     <p:fade/>
   </p:transition>
-  <p:timing>
-    <p:tnLst>
-      <p:par>
-        <p:cTn id="1" dur="indefinite" restart="never" nodeType="tmRoot"/>
-      </p:par>
-    </p:tnLst>
-  </p:timing>
 </p:sld>
 </file>
 
@@ -40894,7 +40520,7 @@
           <a:lstStyle/>
           <a:p>
             <a:r>
-              <a:rPr lang="en-US" dirty="0" smtClean="0">
+              <a:rPr lang="en-US" dirty="0">
                 <a:solidFill>
                   <a:schemeClr val="accent6"/>
                 </a:solidFill>
@@ -40902,7 +40528,7 @@
               <a:t>The list elements: </a:t>
             </a:r>
             <a:r>
-              <a:rPr lang="en-US" sz="4000" cap="none" dirty="0" err="1" smtClean="0">
+              <a:rPr lang="en-US" sz="4000" cap="none" dirty="0" err="1">
                 <a:solidFill>
                   <a:schemeClr val="accent1">
                     <a:lumMod val="60000"/>
@@ -40914,7 +40540,7 @@
               <a:t>ul</a:t>
             </a:r>
             <a:r>
-              <a:rPr lang="en-US" dirty="0" smtClean="0">
+              <a:rPr lang="en-US" dirty="0">
                 <a:solidFill>
                   <a:schemeClr val="accent6"/>
                 </a:solidFill>
@@ -40922,7 +40548,7 @@
               <a:t> and </a:t>
             </a:r>
             <a:r>
-              <a:rPr lang="en-US" sz="4000" cap="none" dirty="0" err="1" smtClean="0">
+              <a:rPr lang="en-US" sz="4000" cap="none" dirty="0" err="1">
                 <a:solidFill>
                   <a:schemeClr val="accent1">
                     <a:lumMod val="60000"/>
@@ -40960,7 +40586,7 @@
           <a:lstStyle/>
           <a:p>
             <a:r>
-              <a:rPr lang="en-US" dirty="0" smtClean="0">
+              <a:rPr lang="en-US" dirty="0">
                 <a:solidFill>
                   <a:schemeClr val="bg1"/>
                 </a:solidFill>
@@ -40970,7 +40596,7 @@
           </a:p>
           <a:p>
             <a:r>
-              <a:rPr lang="en-US" dirty="0" smtClean="0">
+              <a:rPr lang="en-US" dirty="0">
                 <a:solidFill>
                   <a:schemeClr val="bg1"/>
                 </a:solidFill>
@@ -40980,7 +40606,7 @@
           </a:p>
           <a:p>
             <a:r>
-              <a:rPr lang="en-US" dirty="0" smtClean="0">
+              <a:rPr lang="en-US" dirty="0">
                 <a:solidFill>
                   <a:schemeClr val="bg1"/>
                 </a:solidFill>
@@ -40988,7 +40614,7 @@
               <a:t>Each item is its own HTML element: </a:t>
             </a:r>
             <a:r>
-              <a:rPr lang="en-US" dirty="0" smtClean="0">
+              <a:rPr lang="en-US" dirty="0">
                 <a:solidFill>
                   <a:schemeClr val="accent1">
                     <a:lumMod val="20000"/>
@@ -41002,7 +40628,7 @@
           </a:p>
           <a:p>
             <a:r>
-              <a:rPr lang="en-US" dirty="0" smtClean="0">
+              <a:rPr lang="en-US" dirty="0">
                 <a:solidFill>
                   <a:schemeClr val="bg1"/>
                 </a:solidFill>
@@ -41010,7 +40636,7 @@
               <a:t>The list items are </a:t>
             </a:r>
             <a:r>
-              <a:rPr lang="en-US" i="1" dirty="0" smtClean="0">
+              <a:rPr lang="en-US" i="1" dirty="0">
                 <a:solidFill>
                   <a:schemeClr val="bg1"/>
                 </a:solidFill>
@@ -41018,7 +40644,7 @@
               <a:t>children</a:t>
             </a:r>
             <a:r>
-              <a:rPr lang="en-US" dirty="0" smtClean="0">
+              <a:rPr lang="en-US" dirty="0">
                 <a:solidFill>
                   <a:schemeClr val="bg1"/>
                 </a:solidFill>
@@ -41026,14 +40652,14 @@
               <a:t> and the list elements are the </a:t>
             </a:r>
             <a:r>
-              <a:rPr lang="en-US" i="1" dirty="0" smtClean="0">
+              <a:rPr lang="en-US" i="1" dirty="0">
                 <a:solidFill>
                   <a:schemeClr val="bg1"/>
                 </a:solidFill>
               </a:rPr>
               <a:t>parents</a:t>
             </a:r>
-            <a:endParaRPr lang="en-US" dirty="0" smtClean="0">
+            <a:endParaRPr lang="en-US" dirty="0">
               <a:solidFill>
                 <a:schemeClr val="bg1"/>
               </a:solidFill>
@@ -41277,7 +40903,7 @@
               <a:t>ul</a:t>
             </a:r>
             <a:r>
-              <a:rPr lang="it-IT" sz="3600" dirty="0" smtClean="0">
+              <a:rPr lang="it-IT" sz="3600" dirty="0">
                 <a:solidFill>
                   <a:srgbClr val="808080"/>
                 </a:solidFill>
@@ -41317,7 +40943,7 @@
           <a:lstStyle/>
           <a:p>
             <a:r>
-              <a:rPr lang="it-IT" sz="3600" dirty="0" smtClean="0">
+              <a:rPr lang="it-IT" sz="3600" dirty="0">
                 <a:solidFill>
                   <a:srgbClr val="808080"/>
                 </a:solidFill>
@@ -41332,16 +40958,7 @@
                 </a:solidFill>
                 <a:latin typeface="Consolas" panose="020B0609020204030204" pitchFamily="49" charset="0"/>
               </a:rPr>
-              <a:t>o</a:t>
-            </a:r>
-            <a:r>
-              <a:rPr lang="it-IT" sz="3600" dirty="0" smtClean="0">
-                <a:solidFill>
-                  <a:srgbClr val="569CD6"/>
-                </a:solidFill>
-                <a:latin typeface="Consolas" panose="020B0609020204030204" pitchFamily="49" charset="0"/>
-              </a:rPr>
-              <a:t>l</a:t>
+              <a:t>ol</a:t>
             </a:r>
             <a:r>
               <a:rPr lang="it-IT" sz="3600" dirty="0">
@@ -41370,49 +40987,13 @@
               <a:t>    </a:t>
             </a:r>
             <a:r>
-              <a:rPr lang="it-IT" sz="3600" dirty="0" smtClean="0">
+              <a:rPr lang="it-IT" sz="3600" dirty="0">
                 <a:solidFill>
                   <a:srgbClr val="808080"/>
                 </a:solidFill>
                 <a:latin typeface="Consolas" panose="020B0609020204030204" pitchFamily="49" charset="0"/>
               </a:rPr>
               <a:t>&lt;</a:t>
-            </a:r>
-            <a:r>
-              <a:rPr lang="it-IT" sz="3600" dirty="0" smtClean="0">
-                <a:solidFill>
-                  <a:srgbClr val="569CD6"/>
-                </a:solidFill>
-                <a:latin typeface="Consolas" panose="020B0609020204030204" pitchFamily="49" charset="0"/>
-              </a:rPr>
-              <a:t>li</a:t>
-            </a:r>
-            <a:r>
-              <a:rPr lang="it-IT" sz="3600" dirty="0" smtClean="0">
-                <a:solidFill>
-                  <a:srgbClr val="808080"/>
-                </a:solidFill>
-                <a:latin typeface="Consolas" panose="020B0609020204030204" pitchFamily="49" charset="0"/>
-              </a:rPr>
-              <a:t>&gt;</a:t>
-            </a:r>
-            <a:r>
-              <a:rPr lang="it-IT" sz="3600" dirty="0" smtClean="0">
-                <a:solidFill>
-                  <a:srgbClr val="D4D4D4"/>
-                </a:solidFill>
-                <a:latin typeface="Consolas" panose="020B0609020204030204" pitchFamily="49" charset="0"/>
-              </a:rPr>
-              <a:t>Iron Man</a:t>
-            </a:r>
-            <a:r>
-              <a:rPr lang="it-IT" sz="3600" dirty="0" smtClean="0">
-                <a:solidFill>
-                  <a:srgbClr val="808080"/>
-                </a:solidFill>
-                <a:latin typeface="Consolas" panose="020B0609020204030204" pitchFamily="49" charset="0"/>
-              </a:rPr>
-              <a:t>&lt;/</a:t>
             </a:r>
             <a:r>
               <a:rPr lang="it-IT" sz="3600" dirty="0">
@@ -41432,6 +41013,42 @@
               </a:rPr>
               <a:t>&gt;</a:t>
             </a:r>
+            <a:r>
+              <a:rPr lang="it-IT" sz="3600" dirty="0">
+                <a:solidFill>
+                  <a:srgbClr val="D4D4D4"/>
+                </a:solidFill>
+                <a:latin typeface="Consolas" panose="020B0609020204030204" pitchFamily="49" charset="0"/>
+              </a:rPr>
+              <a:t>Iron Man</a:t>
+            </a:r>
+            <a:r>
+              <a:rPr lang="it-IT" sz="3600" dirty="0">
+                <a:solidFill>
+                  <a:srgbClr val="808080"/>
+                </a:solidFill>
+                <a:latin typeface="Consolas" panose="020B0609020204030204" pitchFamily="49" charset="0"/>
+              </a:rPr>
+              <a:t>&lt;/</a:t>
+            </a:r>
+            <a:r>
+              <a:rPr lang="it-IT" sz="3600" dirty="0">
+                <a:solidFill>
+                  <a:srgbClr val="569CD6"/>
+                </a:solidFill>
+                <a:latin typeface="Consolas" panose="020B0609020204030204" pitchFamily="49" charset="0"/>
+              </a:rPr>
+              <a:t>li</a:t>
+            </a:r>
+            <a:r>
+              <a:rPr lang="it-IT" sz="3600" dirty="0">
+                <a:solidFill>
+                  <a:srgbClr val="808080"/>
+                </a:solidFill>
+                <a:latin typeface="Consolas" panose="020B0609020204030204" pitchFamily="49" charset="0"/>
+              </a:rPr>
+              <a:t>&gt;</a:t>
+            </a:r>
             <a:endParaRPr lang="it-IT" sz="3600" dirty="0">
               <a:solidFill>
                 <a:srgbClr val="D4D4D4"/>
@@ -41459,42 +41076,6 @@
               <a:t>&lt;</a:t>
             </a:r>
             <a:r>
-              <a:rPr lang="it-IT" sz="3600" dirty="0" smtClean="0">
-                <a:solidFill>
-                  <a:srgbClr val="569CD6"/>
-                </a:solidFill>
-                <a:latin typeface="Consolas" panose="020B0609020204030204" pitchFamily="49" charset="0"/>
-              </a:rPr>
-              <a:t>li</a:t>
-            </a:r>
-            <a:r>
-              <a:rPr lang="it-IT" sz="3600" dirty="0" smtClean="0">
-                <a:solidFill>
-                  <a:srgbClr val="808080"/>
-                </a:solidFill>
-                <a:latin typeface="Consolas" panose="020B0609020204030204" pitchFamily="49" charset="0"/>
-              </a:rPr>
-              <a:t>&gt;</a:t>
-            </a:r>
-            <a:r>
-              <a:rPr lang="it-IT" sz="3600" dirty="0" smtClean="0">
-                <a:solidFill>
-                  <a:srgbClr val="D4D4D4"/>
-                </a:solidFill>
-                <a:latin typeface="Consolas" panose="020B0609020204030204" pitchFamily="49" charset="0"/>
-              </a:rPr>
-              <a:t>The Hulk</a:t>
-            </a:r>
-            <a:r>
-              <a:rPr lang="it-IT" sz="3600" dirty="0" smtClean="0">
-                <a:solidFill>
-                  <a:srgbClr val="808080"/>
-                </a:solidFill>
-                <a:latin typeface="Consolas" panose="020B0609020204030204" pitchFamily="49" charset="0"/>
-              </a:rPr>
-              <a:t>&lt;/</a:t>
-            </a:r>
-            <a:r>
               <a:rPr lang="it-IT" sz="3600" dirty="0">
                 <a:solidFill>
                   <a:srgbClr val="569CD6"/>
@@ -41512,6 +41093,42 @@
               </a:rPr>
               <a:t>&gt;</a:t>
             </a:r>
+            <a:r>
+              <a:rPr lang="it-IT" sz="3600" dirty="0">
+                <a:solidFill>
+                  <a:srgbClr val="D4D4D4"/>
+                </a:solidFill>
+                <a:latin typeface="Consolas" panose="020B0609020204030204" pitchFamily="49" charset="0"/>
+              </a:rPr>
+              <a:t>The Hulk</a:t>
+            </a:r>
+            <a:r>
+              <a:rPr lang="it-IT" sz="3600" dirty="0">
+                <a:solidFill>
+                  <a:srgbClr val="808080"/>
+                </a:solidFill>
+                <a:latin typeface="Consolas" panose="020B0609020204030204" pitchFamily="49" charset="0"/>
+              </a:rPr>
+              <a:t>&lt;/</a:t>
+            </a:r>
+            <a:r>
+              <a:rPr lang="it-IT" sz="3600" dirty="0">
+                <a:solidFill>
+                  <a:srgbClr val="569CD6"/>
+                </a:solidFill>
+                <a:latin typeface="Consolas" panose="020B0609020204030204" pitchFamily="49" charset="0"/>
+              </a:rPr>
+              <a:t>li</a:t>
+            </a:r>
+            <a:r>
+              <a:rPr lang="it-IT" sz="3600" dirty="0">
+                <a:solidFill>
+                  <a:srgbClr val="808080"/>
+                </a:solidFill>
+                <a:latin typeface="Consolas" panose="020B0609020204030204" pitchFamily="49" charset="0"/>
+              </a:rPr>
+              <a:t>&gt;</a:t>
+            </a:r>
             <a:endParaRPr lang="it-IT" sz="3600" dirty="0">
               <a:solidFill>
                 <a:srgbClr val="D4D4D4"/>
@@ -41521,7 +41138,7 @@
           </a:p>
           <a:p>
             <a:r>
-              <a:rPr lang="it-IT" sz="3600" dirty="0" smtClean="0">
+              <a:rPr lang="it-IT" sz="3600" dirty="0">
                 <a:solidFill>
                   <a:srgbClr val="808080"/>
                 </a:solidFill>
@@ -41530,7 +41147,7 @@
               <a:t>&lt;/</a:t>
             </a:r>
             <a:r>
-              <a:rPr lang="it-IT" sz="3600" dirty="0" smtClean="0">
+              <a:rPr lang="it-IT" sz="3600" dirty="0">
                 <a:solidFill>
                   <a:srgbClr val="569CD6"/>
                 </a:solidFill>
@@ -41539,7 +41156,7 @@
               <a:t>ol</a:t>
             </a:r>
             <a:r>
-              <a:rPr lang="it-IT" sz="3600" dirty="0" smtClean="0">
+              <a:rPr lang="it-IT" sz="3600" dirty="0">
                 <a:solidFill>
                   <a:srgbClr val="808080"/>
                 </a:solidFill>

--- a/Week03/MoreHtmlElements.pptx
+++ b/Week03/MoreHtmlElements.pptx
@@ -39,14 +39,25 @@
       <p:regular r:id="rId22"/>
     </p:embeddedFont>
     <p:embeddedFont>
+      <p:font typeface="Miriam" panose="020B0502050101010101" pitchFamily="34" charset="-79"/>
+      <p:regular r:id="rId23"/>
+    </p:embeddedFont>
+    <p:embeddedFont>
       <p:font typeface="Miriam Libre" panose="00000500000000000000" pitchFamily="2" charset="-79"/>
-      <p:regular r:id="rId23"/>
-      <p:bold r:id="rId24"/>
+      <p:regular r:id="rId24"/>
+      <p:bold r:id="rId25"/>
     </p:embeddedFont>
     <p:embeddedFont>
       <p:font typeface="Roboto Condensed Light" panose="02000000000000000000" pitchFamily="2" charset="0"/>
-      <p:regular r:id="rId25"/>
-      <p:italic r:id="rId26"/>
+      <p:regular r:id="rId26"/>
+      <p:italic r:id="rId27"/>
+    </p:embeddedFont>
+    <p:embeddedFont>
+      <p:font typeface="Segoe UI" panose="020B0502040204020203" pitchFamily="34" charset="0"/>
+      <p:regular r:id="rId28"/>
+      <p:bold r:id="rId29"/>
+      <p:italic r:id="rId30"/>
+      <p:boldItalic r:id="rId31"/>
     </p:embeddedFont>
   </p:embeddedFontLst>
   <p:defaultTextStyle>
@@ -3196,7 +3207,7 @@
           <a:p>
             <a:fld id="{5958763E-B898-436D-883D-03711491D54A}" type="datetimeFigureOut">
               <a:rPr lang="en-US" smtClean="0"/>
-              <a:t>2/8/2023</a:t>
+              <a:t>6/25/2024</a:t>
             </a:fld>
             <a:endParaRPr lang="en-US"/>
           </a:p>
@@ -3460,7 +3471,7 @@
           <a:p>
             <a:fld id="{5958763E-B898-436D-883D-03711491D54A}" type="datetimeFigureOut">
               <a:rPr lang="en-US" smtClean="0"/>
-              <a:t>2/8/2023</a:t>
+              <a:t>6/25/2024</a:t>
             </a:fld>
             <a:endParaRPr lang="en-US"/>
           </a:p>
@@ -10661,24 +10672,40 @@
               <a:buNone/>
             </a:pPr>
             <a:r>
-              <a:rPr lang="en-US" sz="2400" b="1" dirty="0">
-                <a:solidFill>
-                  <a:schemeClr val="bg1"/>
-                </a:solidFill>
-                <a:hlinkClick r:id="rId3">
-                  <a:extLst>
-                    <a:ext uri="{A12FA001-AC4F-418D-AE19-62706E023703}">
-                      <ahyp:hlinkClr xmlns:ahyp="http://schemas.microsoft.com/office/drawing/2018/hyperlinkcolor" val="tx"/>
-                    </a:ext>
-                  </a:extLst>
-                </a:hlinkClick>
-              </a:rPr>
-              <a:t>https://replit.com/@HylandOutreach/ListExample</a:t>
+              <a:rPr lang="en-US" sz="2800" b="0" i="0" dirty="0">
+                <a:solidFill>
+                  <a:srgbClr val="000000"/>
+                </a:solidFill>
+                <a:effectLst/>
+                <a:highlight>
+                  <a:srgbClr val="FFFFFF"/>
+                </a:highlight>
+                <a:latin typeface="Miriam" panose="020F0502020204030204" pitchFamily="34" charset="-79"/>
+                <a:cs typeface="Miriam" panose="020F0502020204030204" pitchFamily="34" charset="-79"/>
+                <a:hlinkClick r:id="rId3"/>
+              </a:rPr>
+              <a:t>https://glitch.com/edit/#!/listexample</a:t>
+            </a:r>
+            <a:r>
+              <a:rPr lang="en-US" sz="2800" b="0" i="0" dirty="0">
+                <a:solidFill>
+                  <a:srgbClr val="000000"/>
+                </a:solidFill>
+                <a:effectLst/>
+                <a:highlight>
+                  <a:srgbClr val="FFFFFF"/>
+                </a:highlight>
+                <a:latin typeface="Miriam" panose="020F0502020204030204" pitchFamily="34" charset="-79"/>
+                <a:cs typeface="Miriam" panose="020F0502020204030204" pitchFamily="34" charset="-79"/>
+              </a:rPr>
+              <a:t> </a:t>
             </a:r>
             <a:endParaRPr lang="en-US" sz="2400" b="1" dirty="0">
               <a:solidFill>
                 <a:schemeClr val="bg1"/>
               </a:solidFill>
+              <a:latin typeface="Miriam" panose="020F0502020204030204" pitchFamily="34" charset="-79"/>
+              <a:cs typeface="Miriam" panose="020F0502020204030204" pitchFamily="34" charset="-79"/>
             </a:endParaRPr>
           </a:p>
         </p:txBody>
@@ -12586,21 +12613,24 @@
                 <a:solidFill>
                   <a:schemeClr val="bg1"/>
                 </a:solidFill>
-                <a:hlinkClick r:id="rId3">
-                  <a:extLst>
-                    <a:ext uri="{A12FA001-AC4F-418D-AE19-62706E023703}">
-                      <ahyp:hlinkClr xmlns:ahyp="http://schemas.microsoft.com/office/drawing/2018/hyperlinkcolor" val="tx"/>
-                    </a:ext>
-                  </a:extLst>
-                </a:hlinkClick>
-              </a:rPr>
-              <a:t>https://replit.com/@HylandOutreach/InputExamples</a:t>
-            </a:r>
-            <a:endParaRPr lang="en-US" sz="2400" b="1" dirty="0">
-              <a:solidFill>
-                <a:schemeClr val="bg1"/>
-              </a:solidFill>
-            </a:endParaRPr>
+                <a:highlight>
+                  <a:srgbClr val="C0C0C0"/>
+                </a:highlight>
+                <a:hlinkClick r:id="rId3"/>
+              </a:rPr>
+              <a:t>https://glitch.com/edit/#!/inputexamples</a:t>
+            </a:r>
+            <a:r>
+              <a:rPr lang="en-US" sz="2400" b="1" dirty="0">
+                <a:solidFill>
+                  <a:schemeClr val="bg1"/>
+                </a:solidFill>
+                <a:highlight>
+                  <a:srgbClr val="C0C0C0"/>
+                </a:highlight>
+              </a:rPr>
+              <a:t>  </a:t>
+            </a:r>
           </a:p>
         </p:txBody>
       </p:sp>
@@ -15378,19 +15408,31 @@
               <a:buNone/>
             </a:pPr>
             <a:r>
-              <a:rPr lang="en-US" sz="2400" b="1" dirty="0">
-                <a:solidFill>
-                  <a:schemeClr val="bg1"/>
-                </a:solidFill>
-                <a:hlinkClick r:id="rId3">
-                  <a:extLst>
-                    <a:ext uri="{A12FA001-AC4F-418D-AE19-62706E023703}">
-                      <ahyp:hlinkClr xmlns:ahyp="http://schemas.microsoft.com/office/drawing/2018/hyperlinkcolor" val="tx"/>
-                    </a:ext>
-                  </a:extLst>
-                </a:hlinkClick>
-              </a:rPr>
-              <a:t>https://replit.com/@HylandOutreach/AttributesExample</a:t>
+              <a:rPr lang="en-US" sz="2800" b="0" i="0" dirty="0">
+                <a:solidFill>
+                  <a:srgbClr val="000000"/>
+                </a:solidFill>
+                <a:effectLst/>
+                <a:highlight>
+                  <a:srgbClr val="FFFFFF"/>
+                </a:highlight>
+                <a:latin typeface="Menlo"/>
+                <a:hlinkClick r:id="rId3"/>
+              </a:rPr>
+              <a:t>https://glitch.com/edit/#!/attributesexample</a:t>
+            </a:r>
+            <a:r>
+              <a:rPr lang="en-US" sz="2800" b="0" i="0" dirty="0">
+                <a:solidFill>
+                  <a:srgbClr val="000000"/>
+                </a:solidFill>
+                <a:effectLst/>
+                <a:highlight>
+                  <a:srgbClr val="FFFFFF"/>
+                </a:highlight>
+                <a:latin typeface="Menlo"/>
+              </a:rPr>
+              <a:t>  </a:t>
             </a:r>
             <a:endParaRPr lang="en-US" sz="2400" b="1" dirty="0">
               <a:solidFill>

--- a/Week03/MoreHtmlElements.pptx
+++ b/Week03/MoreHtmlElements.pptx
@@ -39,25 +39,30 @@
       <p:regular r:id="rId22"/>
     </p:embeddedFont>
     <p:embeddedFont>
+      <p:font typeface="Mangal" panose="02040503050203030202" pitchFamily="18" charset="0"/>
+      <p:regular r:id="rId23"/>
+      <p:bold r:id="rId24"/>
+    </p:embeddedFont>
+    <p:embeddedFont>
       <p:font typeface="Miriam" panose="020B0502050101010101" pitchFamily="34" charset="-79"/>
-      <p:regular r:id="rId23"/>
+      <p:regular r:id="rId25"/>
     </p:embeddedFont>
     <p:embeddedFont>
       <p:font typeface="Miriam Libre" panose="00000500000000000000" pitchFamily="2" charset="-79"/>
-      <p:regular r:id="rId24"/>
-      <p:bold r:id="rId25"/>
+      <p:regular r:id="rId26"/>
+      <p:bold r:id="rId27"/>
     </p:embeddedFont>
     <p:embeddedFont>
       <p:font typeface="Roboto Condensed Light" panose="02000000000000000000" pitchFamily="2" charset="0"/>
-      <p:regular r:id="rId26"/>
-      <p:italic r:id="rId27"/>
+      <p:regular r:id="rId28"/>
+      <p:italic r:id="rId29"/>
     </p:embeddedFont>
     <p:embeddedFont>
       <p:font typeface="Segoe UI" panose="020B0502040204020203" pitchFamily="34" charset="0"/>
-      <p:regular r:id="rId28"/>
-      <p:bold r:id="rId29"/>
-      <p:italic r:id="rId30"/>
-      <p:boldItalic r:id="rId31"/>
+      <p:regular r:id="rId30"/>
+      <p:bold r:id="rId31"/>
+      <p:italic r:id="rId32"/>
+      <p:boldItalic r:id="rId33"/>
     </p:embeddedFont>
   </p:embeddedFontLst>
   <p:defaultTextStyle>
@@ -3207,7 +3212,7 @@
           <a:p>
             <a:fld id="{5958763E-B898-436D-883D-03711491D54A}" type="datetimeFigureOut">
               <a:rPr lang="en-US" smtClean="0"/>
-              <a:t>6/25/2024</a:t>
+              <a:t>6/26/2024</a:t>
             </a:fld>
             <a:endParaRPr lang="en-US"/>
           </a:p>
@@ -3471,7 +3476,7 @@
           <a:p>
             <a:fld id="{5958763E-B898-436D-883D-03711491D54A}" type="datetimeFigureOut">
               <a:rPr lang="en-US" smtClean="0"/>
-              <a:t>6/25/2024</a:t>
+              <a:t>6/26/2024</a:t>
             </a:fld>
             <a:endParaRPr lang="en-US"/>
           </a:p>
@@ -10684,7 +10689,7 @@
                 <a:cs typeface="Miriam" panose="020F0502020204030204" pitchFamily="34" charset="-79"/>
                 <a:hlinkClick r:id="rId3"/>
               </a:rPr>
-              <a:t>https://glitch.com/edit/#!/listexample</a:t>
+              <a:t>https://glitch.com/edit/#!/remix/listexample</a:t>
             </a:r>
             <a:r>
               <a:rPr lang="en-US" sz="2800" b="0" i="0" dirty="0">
@@ -12618,7 +12623,7 @@
                 </a:highlight>
                 <a:hlinkClick r:id="rId3"/>
               </a:rPr>
-              <a:t>https://glitch.com/edit/#!/inputexamples</a:t>
+              <a:t>https://glitch.com/edit/#!/remix/inputexamples</a:t>
             </a:r>
             <a:r>
               <a:rPr lang="en-US" sz="2400" b="1" dirty="0">
@@ -15416,10 +15421,11 @@
                 <a:highlight>
                   <a:srgbClr val="FFFFFF"/>
                 </a:highlight>
-                <a:latin typeface="Menlo"/>
+                <a:latin typeface="Mangal" panose="020B0502040204020203" pitchFamily="18" charset="0"/>
+                <a:cs typeface="Mangal" panose="020B0502040204020203" pitchFamily="18" charset="0"/>
                 <a:hlinkClick r:id="rId3"/>
               </a:rPr>
-              <a:t>https://glitch.com/edit/#!/attributesexample</a:t>
+              <a:t>https://glitch.com/edit/#!/remix/attributesexample</a:t>
             </a:r>
             <a:r>
               <a:rPr lang="en-US" sz="2800" b="0" i="0" dirty="0">
@@ -15430,7 +15436,8 @@
                 <a:highlight>
                   <a:srgbClr val="FFFFFF"/>
                 </a:highlight>
-                <a:latin typeface="Menlo"/>
+                <a:latin typeface="Mangal" panose="020B0502040204020203" pitchFamily="18" charset="0"/>
+                <a:cs typeface="Mangal" panose="020B0502040204020203" pitchFamily="18" charset="0"/>
               </a:rPr>
               <a:t>  </a:t>
             </a:r>
@@ -15438,6 +15445,8 @@
               <a:solidFill>
                 <a:schemeClr val="bg1"/>
               </a:solidFill>
+              <a:latin typeface="Mangal" panose="020B0502040204020203" pitchFamily="18" charset="0"/>
+              <a:cs typeface="Mangal" panose="020B0502040204020203" pitchFamily="18" charset="0"/>
             </a:endParaRPr>
           </a:p>
         </p:txBody>

--- a/Week03/MoreHtmlElements.pptx
+++ b/Week03/MoreHtmlElements.pptx
@@ -39,14 +39,30 @@
       <p:regular r:id="rId22"/>
     </p:embeddedFont>
     <p:embeddedFont>
-      <p:font typeface="Miriam Libre" panose="00000500000000000000" pitchFamily="2" charset="-79"/>
+      <p:font typeface="Mangal" panose="02040503050203030202" pitchFamily="18" charset="0"/>
       <p:regular r:id="rId23"/>
       <p:bold r:id="rId24"/>
     </p:embeddedFont>
     <p:embeddedFont>
+      <p:font typeface="Miriam" panose="020B0502050101010101" pitchFamily="34" charset="-79"/>
+      <p:regular r:id="rId25"/>
+    </p:embeddedFont>
+    <p:embeddedFont>
+      <p:font typeface="Miriam Libre" panose="00000500000000000000" pitchFamily="2" charset="-79"/>
+      <p:regular r:id="rId26"/>
+      <p:bold r:id="rId27"/>
+    </p:embeddedFont>
+    <p:embeddedFont>
       <p:font typeface="Roboto Condensed Light" panose="02000000000000000000" pitchFamily="2" charset="0"/>
-      <p:regular r:id="rId25"/>
-      <p:italic r:id="rId26"/>
+      <p:regular r:id="rId28"/>
+      <p:italic r:id="rId29"/>
+    </p:embeddedFont>
+    <p:embeddedFont>
+      <p:font typeface="Segoe UI" panose="020B0502040204020203" pitchFamily="34" charset="0"/>
+      <p:regular r:id="rId30"/>
+      <p:bold r:id="rId31"/>
+      <p:italic r:id="rId32"/>
+      <p:boldItalic r:id="rId33"/>
     </p:embeddedFont>
   </p:embeddedFontLst>
   <p:defaultTextStyle>
@@ -3196,7 +3212,7 @@
           <a:p>
             <a:fld id="{5958763E-B898-436D-883D-03711491D54A}" type="datetimeFigureOut">
               <a:rPr lang="en-US" smtClean="0"/>
-              <a:t>2/8/2023</a:t>
+              <a:t>6/26/2024</a:t>
             </a:fld>
             <a:endParaRPr lang="en-US"/>
           </a:p>
@@ -3460,7 +3476,7 @@
           <a:p>
             <a:fld id="{5958763E-B898-436D-883D-03711491D54A}" type="datetimeFigureOut">
               <a:rPr lang="en-US" smtClean="0"/>
-              <a:t>2/8/2023</a:t>
+              <a:t>6/26/2024</a:t>
             </a:fld>
             <a:endParaRPr lang="en-US"/>
           </a:p>
@@ -10661,24 +10677,40 @@
               <a:buNone/>
             </a:pPr>
             <a:r>
-              <a:rPr lang="en-US" sz="2400" b="1" dirty="0">
-                <a:solidFill>
-                  <a:schemeClr val="bg1"/>
-                </a:solidFill>
-                <a:hlinkClick r:id="rId3">
-                  <a:extLst>
-                    <a:ext uri="{A12FA001-AC4F-418D-AE19-62706E023703}">
-                      <ahyp:hlinkClr xmlns:ahyp="http://schemas.microsoft.com/office/drawing/2018/hyperlinkcolor" val="tx"/>
-                    </a:ext>
-                  </a:extLst>
-                </a:hlinkClick>
-              </a:rPr>
-              <a:t>https://replit.com/@HylandOutreach/ListExample</a:t>
+              <a:rPr lang="en-US" sz="2800" b="0" i="0" dirty="0">
+                <a:solidFill>
+                  <a:srgbClr val="000000"/>
+                </a:solidFill>
+                <a:effectLst/>
+                <a:highlight>
+                  <a:srgbClr val="FFFFFF"/>
+                </a:highlight>
+                <a:latin typeface="Miriam" panose="020F0502020204030204" pitchFamily="34" charset="-79"/>
+                <a:cs typeface="Miriam" panose="020F0502020204030204" pitchFamily="34" charset="-79"/>
+                <a:hlinkClick r:id="rId3"/>
+              </a:rPr>
+              <a:t>https://glitch.com/edit/#!/remix/listexample</a:t>
+            </a:r>
+            <a:r>
+              <a:rPr lang="en-US" sz="2800" b="0" i="0" dirty="0">
+                <a:solidFill>
+                  <a:srgbClr val="000000"/>
+                </a:solidFill>
+                <a:effectLst/>
+                <a:highlight>
+                  <a:srgbClr val="FFFFFF"/>
+                </a:highlight>
+                <a:latin typeface="Miriam" panose="020F0502020204030204" pitchFamily="34" charset="-79"/>
+                <a:cs typeface="Miriam" panose="020F0502020204030204" pitchFamily="34" charset="-79"/>
+              </a:rPr>
+              <a:t> </a:t>
             </a:r>
             <a:endParaRPr lang="en-US" sz="2400" b="1" dirty="0">
               <a:solidFill>
                 <a:schemeClr val="bg1"/>
               </a:solidFill>
+              <a:latin typeface="Miriam" panose="020F0502020204030204" pitchFamily="34" charset="-79"/>
+              <a:cs typeface="Miriam" panose="020F0502020204030204" pitchFamily="34" charset="-79"/>
             </a:endParaRPr>
           </a:p>
         </p:txBody>
@@ -12586,21 +12618,24 @@
                 <a:solidFill>
                   <a:schemeClr val="bg1"/>
                 </a:solidFill>
-                <a:hlinkClick r:id="rId3">
-                  <a:extLst>
-                    <a:ext uri="{A12FA001-AC4F-418D-AE19-62706E023703}">
-                      <ahyp:hlinkClr xmlns:ahyp="http://schemas.microsoft.com/office/drawing/2018/hyperlinkcolor" val="tx"/>
-                    </a:ext>
-                  </a:extLst>
-                </a:hlinkClick>
-              </a:rPr>
-              <a:t>https://replit.com/@HylandOutreach/InputExamples</a:t>
-            </a:r>
-            <a:endParaRPr lang="en-US" sz="2400" b="1" dirty="0">
-              <a:solidFill>
-                <a:schemeClr val="bg1"/>
-              </a:solidFill>
-            </a:endParaRPr>
+                <a:highlight>
+                  <a:srgbClr val="C0C0C0"/>
+                </a:highlight>
+                <a:hlinkClick r:id="rId3"/>
+              </a:rPr>
+              <a:t>https://glitch.com/edit/#!/remix/inputexamples</a:t>
+            </a:r>
+            <a:r>
+              <a:rPr lang="en-US" sz="2400" b="1" dirty="0">
+                <a:solidFill>
+                  <a:schemeClr val="bg1"/>
+                </a:solidFill>
+                <a:highlight>
+                  <a:srgbClr val="C0C0C0"/>
+                </a:highlight>
+              </a:rPr>
+              <a:t>  </a:t>
+            </a:r>
           </a:p>
         </p:txBody>
       </p:sp>
@@ -15378,24 +15413,40 @@
               <a:buNone/>
             </a:pPr>
             <a:r>
-              <a:rPr lang="en-US" sz="2400" b="1" dirty="0">
-                <a:solidFill>
-                  <a:schemeClr val="bg1"/>
-                </a:solidFill>
-                <a:hlinkClick r:id="rId3">
-                  <a:extLst>
-                    <a:ext uri="{A12FA001-AC4F-418D-AE19-62706E023703}">
-                      <ahyp:hlinkClr xmlns:ahyp="http://schemas.microsoft.com/office/drawing/2018/hyperlinkcolor" val="tx"/>
-                    </a:ext>
-                  </a:extLst>
-                </a:hlinkClick>
-              </a:rPr>
-              <a:t>https://replit.com/@HylandOutreach/AttributesExample</a:t>
+              <a:rPr lang="en-US" sz="2800" b="0" i="0" dirty="0">
+                <a:solidFill>
+                  <a:srgbClr val="000000"/>
+                </a:solidFill>
+                <a:effectLst/>
+                <a:highlight>
+                  <a:srgbClr val="FFFFFF"/>
+                </a:highlight>
+                <a:latin typeface="Mangal" panose="020B0502040204020203" pitchFamily="18" charset="0"/>
+                <a:cs typeface="Mangal" panose="020B0502040204020203" pitchFamily="18" charset="0"/>
+                <a:hlinkClick r:id="rId3"/>
+              </a:rPr>
+              <a:t>https://glitch.com/edit/#!/remix/attributesexample</a:t>
+            </a:r>
+            <a:r>
+              <a:rPr lang="en-US" sz="2800" b="0" i="0" dirty="0">
+                <a:solidFill>
+                  <a:srgbClr val="000000"/>
+                </a:solidFill>
+                <a:effectLst/>
+                <a:highlight>
+                  <a:srgbClr val="FFFFFF"/>
+                </a:highlight>
+                <a:latin typeface="Mangal" panose="020B0502040204020203" pitchFamily="18" charset="0"/>
+                <a:cs typeface="Mangal" panose="020B0502040204020203" pitchFamily="18" charset="0"/>
+              </a:rPr>
+              <a:t>  </a:t>
             </a:r>
             <a:endParaRPr lang="en-US" sz="2400" b="1" dirty="0">
               <a:solidFill>
                 <a:schemeClr val="bg1"/>
               </a:solidFill>
+              <a:latin typeface="Mangal" panose="020B0502040204020203" pitchFamily="18" charset="0"/>
+              <a:cs typeface="Mangal" panose="020B0502040204020203" pitchFamily="18" charset="0"/>
             </a:endParaRPr>
           </a:p>
         </p:txBody>

--- a/Week03/MoreHtmlElements.pptx
+++ b/Week03/MoreHtmlElements.pptx
@@ -39,30 +39,14 @@
       <p:regular r:id="rId22"/>
     </p:embeddedFont>
     <p:embeddedFont>
-      <p:font typeface="Mangal" panose="02040503050203030202" pitchFamily="18" charset="0"/>
+      <p:font typeface="Miriam Libre" panose="00000500000000000000" pitchFamily="2" charset="-79"/>
       <p:regular r:id="rId23"/>
       <p:bold r:id="rId24"/>
     </p:embeddedFont>
     <p:embeddedFont>
-      <p:font typeface="Miriam" panose="020B0502050101010101" pitchFamily="34" charset="-79"/>
+      <p:font typeface="Roboto Condensed Light" panose="02000000000000000000" pitchFamily="2" charset="0"/>
       <p:regular r:id="rId25"/>
-    </p:embeddedFont>
-    <p:embeddedFont>
-      <p:font typeface="Miriam Libre" panose="00000500000000000000" pitchFamily="2" charset="-79"/>
-      <p:regular r:id="rId26"/>
-      <p:bold r:id="rId27"/>
-    </p:embeddedFont>
-    <p:embeddedFont>
-      <p:font typeface="Roboto Condensed Light" panose="02000000000000000000" pitchFamily="2" charset="0"/>
-      <p:regular r:id="rId28"/>
-      <p:italic r:id="rId29"/>
-    </p:embeddedFont>
-    <p:embeddedFont>
-      <p:font typeface="Segoe UI" panose="020B0502040204020203" pitchFamily="34" charset="0"/>
-      <p:regular r:id="rId30"/>
-      <p:bold r:id="rId31"/>
-      <p:italic r:id="rId32"/>
-      <p:boldItalic r:id="rId33"/>
+      <p:italic r:id="rId26"/>
     </p:embeddedFont>
   </p:embeddedFontLst>
   <p:defaultTextStyle>
@@ -3212,7 +3196,7 @@
           <a:p>
             <a:fld id="{5958763E-B898-436D-883D-03711491D54A}" type="datetimeFigureOut">
               <a:rPr lang="en-US" smtClean="0"/>
-              <a:t>6/26/2024</a:t>
+              <a:t>2/8/2023</a:t>
             </a:fld>
             <a:endParaRPr lang="en-US"/>
           </a:p>
@@ -3476,7 +3460,7 @@
           <a:p>
             <a:fld id="{5958763E-B898-436D-883D-03711491D54A}" type="datetimeFigureOut">
               <a:rPr lang="en-US" smtClean="0"/>
-              <a:t>6/26/2024</a:t>
+              <a:t>2/8/2023</a:t>
             </a:fld>
             <a:endParaRPr lang="en-US"/>
           </a:p>
@@ -10677,40 +10661,24 @@
               <a:buNone/>
             </a:pPr>
             <a:r>
-              <a:rPr lang="en-US" sz="2800" b="0" i="0" dirty="0">
-                <a:solidFill>
-                  <a:srgbClr val="000000"/>
-                </a:solidFill>
-                <a:effectLst/>
-                <a:highlight>
-                  <a:srgbClr val="FFFFFF"/>
-                </a:highlight>
-                <a:latin typeface="Miriam" panose="020F0502020204030204" pitchFamily="34" charset="-79"/>
-                <a:cs typeface="Miriam" panose="020F0502020204030204" pitchFamily="34" charset="-79"/>
-                <a:hlinkClick r:id="rId3"/>
-              </a:rPr>
-              <a:t>https://glitch.com/edit/#!/remix/listexample</a:t>
-            </a:r>
-            <a:r>
-              <a:rPr lang="en-US" sz="2800" b="0" i="0" dirty="0">
-                <a:solidFill>
-                  <a:srgbClr val="000000"/>
-                </a:solidFill>
-                <a:effectLst/>
-                <a:highlight>
-                  <a:srgbClr val="FFFFFF"/>
-                </a:highlight>
-                <a:latin typeface="Miriam" panose="020F0502020204030204" pitchFamily="34" charset="-79"/>
-                <a:cs typeface="Miriam" panose="020F0502020204030204" pitchFamily="34" charset="-79"/>
-              </a:rPr>
-              <a:t> </a:t>
+              <a:rPr lang="en-US" sz="2400" b="1" dirty="0">
+                <a:solidFill>
+                  <a:schemeClr val="bg1"/>
+                </a:solidFill>
+                <a:hlinkClick r:id="rId3">
+                  <a:extLst>
+                    <a:ext uri="{A12FA001-AC4F-418D-AE19-62706E023703}">
+                      <ahyp:hlinkClr xmlns:ahyp="http://schemas.microsoft.com/office/drawing/2018/hyperlinkcolor" val="tx"/>
+                    </a:ext>
+                  </a:extLst>
+                </a:hlinkClick>
+              </a:rPr>
+              <a:t>https://replit.com/@HylandOutreach/ListExample</a:t>
             </a:r>
             <a:endParaRPr lang="en-US" sz="2400" b="1" dirty="0">
               <a:solidFill>
                 <a:schemeClr val="bg1"/>
               </a:solidFill>
-              <a:latin typeface="Miriam" panose="020F0502020204030204" pitchFamily="34" charset="-79"/>
-              <a:cs typeface="Miriam" panose="020F0502020204030204" pitchFamily="34" charset="-79"/>
             </a:endParaRPr>
           </a:p>
         </p:txBody>
@@ -12618,24 +12586,21 @@
                 <a:solidFill>
                   <a:schemeClr val="bg1"/>
                 </a:solidFill>
-                <a:highlight>
-                  <a:srgbClr val="C0C0C0"/>
-                </a:highlight>
-                <a:hlinkClick r:id="rId3"/>
-              </a:rPr>
-              <a:t>https://glitch.com/edit/#!/remix/inputexamples</a:t>
-            </a:r>
-            <a:r>
-              <a:rPr lang="en-US" sz="2400" b="1" dirty="0">
-                <a:solidFill>
-                  <a:schemeClr val="bg1"/>
-                </a:solidFill>
-                <a:highlight>
-                  <a:srgbClr val="C0C0C0"/>
-                </a:highlight>
-              </a:rPr>
-              <a:t>  </a:t>
-            </a:r>
+                <a:hlinkClick r:id="rId3">
+                  <a:extLst>
+                    <a:ext uri="{A12FA001-AC4F-418D-AE19-62706E023703}">
+                      <ahyp:hlinkClr xmlns:ahyp="http://schemas.microsoft.com/office/drawing/2018/hyperlinkcolor" val="tx"/>
+                    </a:ext>
+                  </a:extLst>
+                </a:hlinkClick>
+              </a:rPr>
+              <a:t>https://replit.com/@HylandOutreach/InputExamples</a:t>
+            </a:r>
+            <a:endParaRPr lang="en-US" sz="2400" b="1" dirty="0">
+              <a:solidFill>
+                <a:schemeClr val="bg1"/>
+              </a:solidFill>
+            </a:endParaRPr>
           </a:p>
         </p:txBody>
       </p:sp>
@@ -15413,40 +15378,24 @@
               <a:buNone/>
             </a:pPr>
             <a:r>
-              <a:rPr lang="en-US" sz="2800" b="0" i="0" dirty="0">
-                <a:solidFill>
-                  <a:srgbClr val="000000"/>
-                </a:solidFill>
-                <a:effectLst/>
-                <a:highlight>
-                  <a:srgbClr val="FFFFFF"/>
-                </a:highlight>
-                <a:latin typeface="Mangal" panose="020B0502040204020203" pitchFamily="18" charset="0"/>
-                <a:cs typeface="Mangal" panose="020B0502040204020203" pitchFamily="18" charset="0"/>
-                <a:hlinkClick r:id="rId3"/>
-              </a:rPr>
-              <a:t>https://glitch.com/edit/#!/remix/attributesexample</a:t>
-            </a:r>
-            <a:r>
-              <a:rPr lang="en-US" sz="2800" b="0" i="0" dirty="0">
-                <a:solidFill>
-                  <a:srgbClr val="000000"/>
-                </a:solidFill>
-                <a:effectLst/>
-                <a:highlight>
-                  <a:srgbClr val="FFFFFF"/>
-                </a:highlight>
-                <a:latin typeface="Mangal" panose="020B0502040204020203" pitchFamily="18" charset="0"/>
-                <a:cs typeface="Mangal" panose="020B0502040204020203" pitchFamily="18" charset="0"/>
-              </a:rPr>
-              <a:t>  </a:t>
+              <a:rPr lang="en-US" sz="2400" b="1" dirty="0">
+                <a:solidFill>
+                  <a:schemeClr val="bg1"/>
+                </a:solidFill>
+                <a:hlinkClick r:id="rId3">
+                  <a:extLst>
+                    <a:ext uri="{A12FA001-AC4F-418D-AE19-62706E023703}">
+                      <ahyp:hlinkClr xmlns:ahyp="http://schemas.microsoft.com/office/drawing/2018/hyperlinkcolor" val="tx"/>
+                    </a:ext>
+                  </a:extLst>
+                </a:hlinkClick>
+              </a:rPr>
+              <a:t>https://replit.com/@HylandOutreach/AttributesExample</a:t>
             </a:r>
             <a:endParaRPr lang="en-US" sz="2400" b="1" dirty="0">
               <a:solidFill>
                 <a:schemeClr val="bg1"/>
               </a:solidFill>
-              <a:latin typeface="Mangal" panose="020B0502040204020203" pitchFamily="18" charset="0"/>
-              <a:cs typeface="Mangal" panose="020B0502040204020203" pitchFamily="18" charset="0"/>
             </a:endParaRPr>
           </a:p>
         </p:txBody>

--- a/Week03/MoreHtmlElements.pptx
+++ b/Week03/MoreHtmlElements.pptx
@@ -5,7 +5,7 @@
     <p:sldMasterId id="2147483676" r:id="rId1"/>
   </p:sldMasterIdLst>
   <p:notesMasterIdLst>
-    <p:notesMasterId r:id="rId17"/>
+    <p:notesMasterId r:id="rId18"/>
   </p:notesMasterIdLst>
   <p:sldIdLst>
     <p:sldId id="256" r:id="rId2"/>
@@ -17,36 +17,44 @@
     <p:sldId id="311" r:id="rId8"/>
     <p:sldId id="312" r:id="rId9"/>
     <p:sldId id="302" r:id="rId10"/>
-    <p:sldId id="313" r:id="rId11"/>
-    <p:sldId id="314" r:id="rId12"/>
-    <p:sldId id="315" r:id="rId13"/>
-    <p:sldId id="316" r:id="rId14"/>
-    <p:sldId id="317" r:id="rId15"/>
-    <p:sldId id="279" r:id="rId16"/>
+    <p:sldId id="318" r:id="rId11"/>
+    <p:sldId id="313" r:id="rId12"/>
+    <p:sldId id="314" r:id="rId13"/>
+    <p:sldId id="315" r:id="rId14"/>
+    <p:sldId id="316" r:id="rId15"/>
+    <p:sldId id="317" r:id="rId16"/>
+    <p:sldId id="279" r:id="rId17"/>
   </p:sldIdLst>
   <p:sldSz cx="9144000" cy="5143500" type="screen16x9"/>
   <p:notesSz cx="6858000" cy="9144000"/>
   <p:embeddedFontLst>
     <p:embeddedFont>
       <p:font typeface="Consolas" panose="020B0609020204030204" pitchFamily="49" charset="0"/>
-      <p:regular r:id="rId18"/>
-      <p:bold r:id="rId19"/>
-      <p:italic r:id="rId20"/>
-      <p:boldItalic r:id="rId21"/>
+      <p:regular r:id="rId19"/>
+      <p:bold r:id="rId20"/>
+      <p:italic r:id="rId21"/>
+      <p:boldItalic r:id="rId22"/>
     </p:embeddedFont>
     <p:embeddedFont>
       <p:font typeface="Krona One" panose="020B0604020202020204" charset="0"/>
-      <p:regular r:id="rId22"/>
+      <p:regular r:id="rId23"/>
     </p:embeddedFont>
     <p:embeddedFont>
       <p:font typeface="Miriam Libre" panose="00000500000000000000" pitchFamily="2" charset="-79"/>
-      <p:regular r:id="rId23"/>
-      <p:bold r:id="rId24"/>
+      <p:regular r:id="rId24"/>
+      <p:bold r:id="rId25"/>
     </p:embeddedFont>
     <p:embeddedFont>
       <p:font typeface="Roboto Condensed Light" panose="02000000000000000000" pitchFamily="2" charset="0"/>
-      <p:regular r:id="rId25"/>
-      <p:italic r:id="rId26"/>
+      <p:regular r:id="rId26"/>
+      <p:italic r:id="rId27"/>
+    </p:embeddedFont>
+    <p:embeddedFont>
+      <p:font typeface="Segoe UI" panose="020B0502040204020203" pitchFamily="34" charset="0"/>
+      <p:regular r:id="rId28"/>
+      <p:bold r:id="rId29"/>
+      <p:italic r:id="rId30"/>
+      <p:boldItalic r:id="rId31"/>
     </p:embeddedFont>
   </p:embeddedFontLst>
   <p:defaultTextStyle>
@@ -915,11 +923,18 @@
           <a:bodyPr/>
           <a:lstStyle/>
           <a:p>
-            <a:pPr marL="0" indent="0">
+            <a:pPr marL="171450" indent="-171450">
               <a:buFontTx/>
-              <a:buNone/>
+              <a:buChar char="-"/>
             </a:pPr>
-            <a:endParaRPr lang="en-US" baseline="0" dirty="0"/>
+            <a:r>
+              <a:rPr lang="en-US" dirty="0"/>
+              <a:t>Ask the students to</a:t>
+            </a:r>
+            <a:r>
+              <a:rPr lang="en-US" baseline="0" dirty="0"/>
+              <a:t> guess how each of these input types might appear</a:t>
+            </a:r>
           </a:p>
         </p:txBody>
       </p:sp>
@@ -949,7 +964,7 @@
     </p:spTree>
     <p:extLst>
       <p:ext uri="{BB962C8B-B14F-4D97-AF65-F5344CB8AC3E}">
-        <p14:creationId xmlns:p14="http://schemas.microsoft.com/office/powerpoint/2010/main" val="2804282007"/>
+        <p14:creationId xmlns:p14="http://schemas.microsoft.com/office/powerpoint/2010/main" val="2546089303"/>
       </p:ext>
     </p:extLst>
   </p:cSld>
@@ -1008,23 +1023,11 @@
           <a:bodyPr/>
           <a:lstStyle/>
           <a:p>
-            <a:r>
-              <a:rPr lang="en-US" dirty="0"/>
-              <a:t>Visit the </a:t>
-            </a:r>
-            <a:r>
-              <a:rPr lang="en-US" dirty="0" err="1"/>
-              <a:t>Repl</a:t>
-            </a:r>
-            <a:r>
-              <a:rPr lang="en-US" dirty="0"/>
-              <a:t> to show inputs </a:t>
-            </a:r>
-            <a:r>
-              <a:rPr lang="en-US"/>
-              <a:t>in action</a:t>
-            </a:r>
-            <a:endParaRPr lang="en-US" dirty="0"/>
+            <a:pPr marL="0" indent="0">
+              <a:buFontTx/>
+              <a:buNone/>
+            </a:pPr>
+            <a:endParaRPr lang="en-US" baseline="0" dirty="0"/>
           </a:p>
         </p:txBody>
       </p:sp>
@@ -1046,6 +1049,111 @@
             <a:fld id="{DEC8F7F9-57EC-49CF-9FCD-2B781E4B449F}" type="slidenum">
               <a:rPr lang="en-US" smtClean="0"/>
               <a:t>14</a:t>
+            </a:fld>
+            <a:endParaRPr lang="en-US"/>
+          </a:p>
+        </p:txBody>
+      </p:sp>
+    </p:spTree>
+    <p:extLst>
+      <p:ext uri="{BB962C8B-B14F-4D97-AF65-F5344CB8AC3E}">
+        <p14:creationId xmlns:p14="http://schemas.microsoft.com/office/powerpoint/2010/main" val="2804282007"/>
+      </p:ext>
+    </p:extLst>
+  </p:cSld>
+  <p:clrMapOvr>
+    <a:masterClrMapping/>
+  </p:clrMapOvr>
+</p:notes>
+</file>
+
+<file path=ppt/notesSlides/notesSlide12.xml><?xml version="1.0" encoding="utf-8"?>
+<p:notes xmlns:a="http://schemas.openxmlformats.org/drawingml/2006/main" xmlns:r="http://schemas.openxmlformats.org/officeDocument/2006/relationships" xmlns:p="http://schemas.openxmlformats.org/presentationml/2006/main">
+  <p:cSld>
+    <p:spTree>
+      <p:nvGrpSpPr>
+        <p:cNvPr id="1" name=""/>
+        <p:cNvGrpSpPr/>
+        <p:nvPr/>
+      </p:nvGrpSpPr>
+      <p:grpSpPr>
+        <a:xfrm>
+          <a:off x="0" y="0"/>
+          <a:ext cx="0" cy="0"/>
+          <a:chOff x="0" y="0"/>
+          <a:chExt cx="0" cy="0"/>
+        </a:xfrm>
+      </p:grpSpPr>
+      <p:sp>
+        <p:nvSpPr>
+          <p:cNvPr id="2" name="Slide Image Placeholder 1"/>
+          <p:cNvSpPr>
+            <a:spLocks noGrp="1" noRot="1" noChangeAspect="1"/>
+          </p:cNvSpPr>
+          <p:nvPr>
+            <p:ph type="sldImg"/>
+          </p:nvPr>
+        </p:nvSpPr>
+        <p:spPr>
+          <a:xfrm>
+            <a:off x="381000" y="685800"/>
+            <a:ext cx="6096000" cy="3429000"/>
+          </a:xfrm>
+        </p:spPr>
+      </p:sp>
+      <p:sp>
+        <p:nvSpPr>
+          <p:cNvPr id="3" name="Notes Placeholder 2"/>
+          <p:cNvSpPr>
+            <a:spLocks noGrp="1"/>
+          </p:cNvSpPr>
+          <p:nvPr>
+            <p:ph type="body" idx="1"/>
+          </p:nvPr>
+        </p:nvSpPr>
+        <p:spPr/>
+        <p:txBody>
+          <a:bodyPr/>
+          <a:lstStyle/>
+          <a:p>
+            <a:r>
+              <a:rPr lang="en-US" dirty="0"/>
+              <a:t>Visit the </a:t>
+            </a:r>
+            <a:r>
+              <a:rPr lang="en-US" dirty="0" err="1"/>
+              <a:t>Repl</a:t>
+            </a:r>
+            <a:r>
+              <a:rPr lang="en-US" dirty="0"/>
+              <a:t> to show inputs </a:t>
+            </a:r>
+            <a:r>
+              <a:rPr lang="en-US"/>
+              <a:t>in action</a:t>
+            </a:r>
+            <a:endParaRPr lang="en-US" dirty="0"/>
+          </a:p>
+        </p:txBody>
+      </p:sp>
+      <p:sp>
+        <p:nvSpPr>
+          <p:cNvPr id="4" name="Slide Number Placeholder 3"/>
+          <p:cNvSpPr>
+            <a:spLocks noGrp="1"/>
+          </p:cNvSpPr>
+          <p:nvPr>
+            <p:ph type="sldNum" sz="quarter" idx="10"/>
+          </p:nvPr>
+        </p:nvSpPr>
+        <p:spPr/>
+        <p:txBody>
+          <a:bodyPr/>
+          <a:lstStyle/>
+          <a:p>
+            <a:fld id="{DEC8F7F9-57EC-49CF-9FCD-2B781E4B449F}" type="slidenum">
+              <a:rPr lang="en-US" smtClean="0"/>
+              <a:t>15</a:t>
             </a:fld>
             <a:endParaRPr lang="en-US"/>
           </a:p>
@@ -1064,7 +1172,7 @@
 </p:notes>
 </file>
 
-<file path=ppt/notesSlides/notesSlide12.xml><?xml version="1.0" encoding="utf-8"?>
+<file path=ppt/notesSlides/notesSlide13.xml><?xml version="1.0" encoding="utf-8"?>
 <p:notes xmlns:a="http://schemas.openxmlformats.org/drawingml/2006/main" xmlns:r="http://schemas.openxmlformats.org/officeDocument/2006/relationships" xmlns:p="http://schemas.openxmlformats.org/presentationml/2006/main" showMasterSp="0" showMasterPhAnim="0">
   <p:cSld>
     <p:spTree>
@@ -1746,124 +1854,28 @@
           <a:bodyPr/>
           <a:lstStyle/>
           <a:p>
+            <a:pPr marL="171450" indent="-171450">
+              <a:buFontTx/>
+              <a:buChar char="-"/>
+            </a:pPr>
             <a:r>
               <a:rPr lang="en-US" dirty="0"/>
-              <a:t>Explain nesting as a concept using geography.</a:t>
-            </a:r>
-          </a:p>
-          <a:p>
-            <a:endParaRPr lang="en-US" dirty="0"/>
-          </a:p>
-          <a:p>
-            <a:r>
-              <a:rPr lang="en-US" dirty="0"/>
-              <a:t>Start</a:t>
+              <a:t>The bullet points on this</a:t>
             </a:r>
             <a:r>
               <a:rPr lang="en-US" baseline="0" dirty="0"/>
-              <a:t> by writing the following on the whiteboard (leave a lot of space around the tags):</a:t>
-            </a:r>
-          </a:p>
-          <a:p>
-            <a:endParaRPr lang="en-US" baseline="0" dirty="0"/>
-          </a:p>
-          <a:p>
-            <a:r>
-              <a:rPr lang="en-US" b="1" baseline="0" dirty="0"/>
-              <a:t>&lt;county name=“Cuyahoga”&gt;</a:t>
-            </a:r>
-          </a:p>
-          <a:p>
-            <a:endParaRPr lang="en-US" b="1" baseline="0" dirty="0"/>
-          </a:p>
-          <a:p>
-            <a:r>
-              <a:rPr lang="en-US" b="1" baseline="0" dirty="0"/>
-              <a:t>&lt;/county&gt;</a:t>
-            </a:r>
-          </a:p>
-          <a:p>
-            <a:endParaRPr lang="en-US" baseline="0" dirty="0"/>
-          </a:p>
-          <a:p>
-            <a:r>
-              <a:rPr lang="en-US" b="0" baseline="0" dirty="0"/>
-              <a:t>Ask what goes within a county – a city! Add that to the code:</a:t>
-            </a:r>
-          </a:p>
-          <a:p>
-            <a:endParaRPr lang="en-US" b="0" baseline="0" dirty="0"/>
-          </a:p>
-          <a:p>
-            <a:r>
-              <a:rPr lang="en-US" b="1" baseline="0" dirty="0"/>
-              <a:t>&lt;county name=“Cuyahoga”&gt;</a:t>
-            </a:r>
-          </a:p>
-          <a:p>
-            <a:r>
-              <a:rPr lang="en-US" b="1" baseline="0" dirty="0"/>
-              <a:t>    &lt;city name=“Westlake”&gt;&lt;/city&gt;</a:t>
-            </a:r>
-          </a:p>
-          <a:p>
-            <a:r>
-              <a:rPr lang="en-US" b="1" baseline="0" dirty="0"/>
-              <a:t>&lt;/county&gt;</a:t>
-            </a:r>
-          </a:p>
-          <a:p>
-            <a:endParaRPr lang="en-US" b="1" baseline="0" dirty="0"/>
-          </a:p>
-          <a:p>
-            <a:r>
-              <a:rPr lang="en-US" b="0" baseline="0" dirty="0"/>
-              <a:t>Ask what goes around a county – a state! Add that to the code:</a:t>
-            </a:r>
-          </a:p>
-          <a:p>
-            <a:endParaRPr lang="en-US" b="0" baseline="0" dirty="0"/>
-          </a:p>
-          <a:p>
-            <a:r>
-              <a:rPr lang="en-US" b="1" baseline="0" dirty="0"/>
-              <a:t>&lt;state name=“Ohio”&gt;</a:t>
-            </a:r>
-          </a:p>
-          <a:p>
-            <a:r>
-              <a:rPr lang="en-US" b="1" baseline="0" dirty="0"/>
-              <a:t>    &lt;county name=“Cuyahoga”&gt;</a:t>
-            </a:r>
-          </a:p>
-          <a:p>
-            <a:r>
-              <a:rPr lang="en-US" b="1" baseline="0" dirty="0"/>
-              <a:t>        &lt;city name=“Westlake”&gt;&lt;/city&gt;</a:t>
-            </a:r>
-          </a:p>
-          <a:p>
-            <a:r>
-              <a:rPr lang="en-US" b="1" baseline="0" dirty="0"/>
-              <a:t>    &lt;/county&gt;</a:t>
-            </a:r>
-          </a:p>
-          <a:p>
-            <a:r>
-              <a:rPr lang="en-US" b="1" baseline="0" dirty="0"/>
-              <a:t>&lt;/state&gt;</a:t>
-            </a:r>
-            <a:endParaRPr lang="en-US" b="0" baseline="0" dirty="0"/>
-          </a:p>
-          <a:p>
-            <a:endParaRPr lang="en-US" b="0" baseline="0" dirty="0"/>
-          </a:p>
-          <a:p>
-            <a:r>
-              <a:rPr lang="en-US" b="0" baseline="0" dirty="0"/>
-              <a:t>Use this concept to explain nesting. Explain parent/child relationships. The next slide has an example using lists.</a:t>
-            </a:r>
-            <a:endParaRPr lang="en-US" b="1" baseline="0" dirty="0"/>
+              <a:t> slide are an unordered list!</a:t>
+            </a:r>
+          </a:p>
+          <a:p>
+            <a:pPr marL="171450" indent="-171450">
+              <a:buFontTx/>
+              <a:buChar char="-"/>
+            </a:pPr>
+            <a:r>
+              <a:rPr lang="en-US" baseline="0" dirty="0"/>
+              <a:t>An ordered list has numbers – for example, the MCU movies in release order</a:t>
+            </a:r>
           </a:p>
         </p:txBody>
       </p:sp>
@@ -1893,7 +1905,7 @@
     </p:spTree>
     <p:extLst>
       <p:ext uri="{BB962C8B-B14F-4D97-AF65-F5344CB8AC3E}">
-        <p14:creationId xmlns:p14="http://schemas.microsoft.com/office/powerpoint/2010/main" val="4242023331"/>
+        <p14:creationId xmlns:p14="http://schemas.microsoft.com/office/powerpoint/2010/main" val="3902140810"/>
       </p:ext>
     </p:extLst>
   </p:cSld>
@@ -1954,44 +1966,122 @@
           <a:p>
             <a:r>
               <a:rPr lang="en-US" dirty="0"/>
-              <a:t>Visit the </a:t>
-            </a:r>
-            <a:r>
-              <a:rPr lang="en-US" dirty="0" err="1"/>
-              <a:t>Repl</a:t>
-            </a:r>
+              <a:t>Explain nesting as a concept using geography.</a:t>
+            </a:r>
+          </a:p>
+          <a:p>
+            <a:endParaRPr lang="en-US" dirty="0"/>
+          </a:p>
+          <a:p>
             <a:r>
               <a:rPr lang="en-US" dirty="0"/>
-              <a:t> to show lists in action.</a:t>
-            </a:r>
-          </a:p>
-          <a:p>
-            <a:pPr marL="171450" indent="-171450">
-              <a:buFontTx/>
-              <a:buChar char="-"/>
-            </a:pPr>
-            <a:r>
-              <a:rPr lang="en-US" dirty="0"/>
-              <a:t>Here we really want to emphasize the hierarchical structure of HTML</a:t>
-            </a:r>
-          </a:p>
-          <a:p>
-            <a:pPr marL="171450" indent="-171450">
-              <a:buFontTx/>
-              <a:buChar char="-"/>
-            </a:pPr>
-            <a:r>
-              <a:rPr lang="en-US" dirty="0"/>
-              <a:t>Also show the difference between </a:t>
-            </a:r>
-            <a:r>
-              <a:rPr lang="en-US" dirty="0" err="1"/>
-              <a:t>ol</a:t>
-            </a:r>
-            <a:r>
-              <a:rPr lang="en-US" dirty="0"/>
-              <a:t> and ul</a:t>
-            </a:r>
+              <a:t>Start</a:t>
+            </a:r>
+            <a:r>
+              <a:rPr lang="en-US" baseline="0" dirty="0"/>
+              <a:t> by writing the following on the whiteboard (leave a lot of space around the tags):</a:t>
+            </a:r>
+          </a:p>
+          <a:p>
+            <a:endParaRPr lang="en-US" baseline="0" dirty="0"/>
+          </a:p>
+          <a:p>
+            <a:r>
+              <a:rPr lang="en-US" b="1" baseline="0" dirty="0"/>
+              <a:t>&lt;county name=“Cuyahoga”&gt;</a:t>
+            </a:r>
+          </a:p>
+          <a:p>
+            <a:endParaRPr lang="en-US" b="1" baseline="0" dirty="0"/>
+          </a:p>
+          <a:p>
+            <a:r>
+              <a:rPr lang="en-US" b="1" baseline="0" dirty="0"/>
+              <a:t>&lt;/county&gt;</a:t>
+            </a:r>
+          </a:p>
+          <a:p>
+            <a:endParaRPr lang="en-US" baseline="0" dirty="0"/>
+          </a:p>
+          <a:p>
+            <a:r>
+              <a:rPr lang="en-US" b="0" baseline="0" dirty="0"/>
+              <a:t>Ask what goes within a county – a city! Add that to the code:</a:t>
+            </a:r>
+          </a:p>
+          <a:p>
+            <a:endParaRPr lang="en-US" b="0" baseline="0" dirty="0"/>
+          </a:p>
+          <a:p>
+            <a:r>
+              <a:rPr lang="en-US" b="1" baseline="0" dirty="0"/>
+              <a:t>&lt;county name=“Cuyahoga”&gt;</a:t>
+            </a:r>
+          </a:p>
+          <a:p>
+            <a:r>
+              <a:rPr lang="en-US" b="1" baseline="0" dirty="0"/>
+              <a:t>    &lt;city name=“Westlake”&gt;&lt;/city&gt;</a:t>
+            </a:r>
+          </a:p>
+          <a:p>
+            <a:r>
+              <a:rPr lang="en-US" b="1" baseline="0" dirty="0"/>
+              <a:t>&lt;/county&gt;</a:t>
+            </a:r>
+          </a:p>
+          <a:p>
+            <a:endParaRPr lang="en-US" b="1" baseline="0" dirty="0"/>
+          </a:p>
+          <a:p>
+            <a:r>
+              <a:rPr lang="en-US" b="0" baseline="0" dirty="0"/>
+              <a:t>Ask what goes around a county – a state! Add that to the code:</a:t>
+            </a:r>
+          </a:p>
+          <a:p>
+            <a:endParaRPr lang="en-US" b="0" baseline="0" dirty="0"/>
+          </a:p>
+          <a:p>
+            <a:r>
+              <a:rPr lang="en-US" b="1" baseline="0" dirty="0"/>
+              <a:t>&lt;state name=“Ohio”&gt;</a:t>
+            </a:r>
+          </a:p>
+          <a:p>
+            <a:r>
+              <a:rPr lang="en-US" b="1" baseline="0" dirty="0"/>
+              <a:t>    &lt;county name=“Cuyahoga”&gt;</a:t>
+            </a:r>
+          </a:p>
+          <a:p>
+            <a:r>
+              <a:rPr lang="en-US" b="1" baseline="0" dirty="0"/>
+              <a:t>        &lt;city name=“Westlake”&gt;&lt;/city&gt;</a:t>
+            </a:r>
+          </a:p>
+          <a:p>
+            <a:r>
+              <a:rPr lang="en-US" b="1" baseline="0" dirty="0"/>
+              <a:t>    &lt;/county&gt;</a:t>
+            </a:r>
+          </a:p>
+          <a:p>
+            <a:r>
+              <a:rPr lang="en-US" b="1" baseline="0" dirty="0"/>
+              <a:t>&lt;/state&gt;</a:t>
+            </a:r>
+            <a:endParaRPr lang="en-US" b="0" baseline="0" dirty="0"/>
+          </a:p>
+          <a:p>
+            <a:endParaRPr lang="en-US" b="0" baseline="0" dirty="0"/>
+          </a:p>
+          <a:p>
+            <a:r>
+              <a:rPr lang="en-US" b="0" baseline="0" dirty="0"/>
+              <a:t>Use this concept to explain nesting. Explain parent/child relationships. The next slide has an example using lists.</a:t>
+            </a:r>
+            <a:endParaRPr lang="en-US" b="1" baseline="0" dirty="0"/>
           </a:p>
         </p:txBody>
       </p:sp>
@@ -2021,7 +2111,7 @@
     </p:spTree>
     <p:extLst>
       <p:ext uri="{BB962C8B-B14F-4D97-AF65-F5344CB8AC3E}">
-        <p14:creationId xmlns:p14="http://schemas.microsoft.com/office/powerpoint/2010/main" val="2415259283"/>
+        <p14:creationId xmlns:p14="http://schemas.microsoft.com/office/powerpoint/2010/main" val="4242023331"/>
       </p:ext>
     </p:extLst>
   </p:cSld>
@@ -2080,17 +2170,45 @@
           <a:bodyPr/>
           <a:lstStyle/>
           <a:p>
+            <a:r>
+              <a:rPr lang="en-US" dirty="0"/>
+              <a:t>Visit the </a:t>
+            </a:r>
+            <a:r>
+              <a:rPr lang="en-US" dirty="0" err="1"/>
+              <a:t>Repl</a:t>
+            </a:r>
+            <a:r>
+              <a:rPr lang="en-US" dirty="0"/>
+              <a:t> to show lists in action.</a:t>
+            </a:r>
+          </a:p>
+          <a:p>
             <a:pPr marL="171450" indent="-171450">
               <a:buFontTx/>
               <a:buChar char="-"/>
             </a:pPr>
             <a:r>
               <a:rPr lang="en-US" dirty="0"/>
-              <a:t>Ask the students to</a:t>
-            </a:r>
-            <a:r>
-              <a:rPr lang="en-US" baseline="0" dirty="0"/>
-              <a:t> guess how each of these input types might appear</a:t>
+              <a:t>Here we really want to emphasize the hierarchical structure of HTML</a:t>
+            </a:r>
+          </a:p>
+          <a:p>
+            <a:pPr marL="171450" indent="-171450">
+              <a:buFontTx/>
+              <a:buChar char="-"/>
+            </a:pPr>
+            <a:r>
+              <a:rPr lang="en-US" dirty="0"/>
+              <a:t>Also show the difference between </a:t>
+            </a:r>
+            <a:r>
+              <a:rPr lang="en-US" dirty="0" err="1"/>
+              <a:t>ol</a:t>
+            </a:r>
+            <a:r>
+              <a:rPr lang="en-US" dirty="0"/>
+              <a:t> and ul</a:t>
             </a:r>
           </a:p>
         </p:txBody>
@@ -2121,7 +2239,7 @@
     </p:spTree>
     <p:extLst>
       <p:ext uri="{BB962C8B-B14F-4D97-AF65-F5344CB8AC3E}">
-        <p14:creationId xmlns:p14="http://schemas.microsoft.com/office/powerpoint/2010/main" val="2546089303"/>
+        <p14:creationId xmlns:p14="http://schemas.microsoft.com/office/powerpoint/2010/main" val="2415259283"/>
       </p:ext>
     </p:extLst>
   </p:cSld>
@@ -3196,7 +3314,7 @@
           <a:p>
             <a:fld id="{5958763E-B898-436D-883D-03711491D54A}" type="datetimeFigureOut">
               <a:rPr lang="en-US" smtClean="0"/>
-              <a:t>2/8/2023</a:t>
+              <a:t>7/3/2024</a:t>
             </a:fld>
             <a:endParaRPr lang="en-US"/>
           </a:p>
@@ -3460,7 +3578,7 @@
           <a:p>
             <a:fld id="{5958763E-B898-436D-883D-03711491D54A}" type="datetimeFigureOut">
               <a:rPr lang="en-US" smtClean="0"/>
-              <a:t>2/8/2023</a:t>
+              <a:t>7/3/2024</a:t>
             </a:fld>
             <a:endParaRPr lang="en-US"/>
           </a:p>
@@ -10497,6 +10615,144 @@
       </p:grpSpPr>
       <p:sp>
         <p:nvSpPr>
+          <p:cNvPr id="6" name="Rectangle 5">
+            <a:extLst>
+              <a:ext uri="{FF2B5EF4-FFF2-40B4-BE49-F238E27FC236}">
+                <a16:creationId xmlns:a16="http://schemas.microsoft.com/office/drawing/2014/main" id="{E82289CE-B960-EEDA-377E-82719C37254C}"/>
+              </a:ext>
+            </a:extLst>
+          </p:cNvPr>
+          <p:cNvSpPr/>
+          <p:nvPr/>
+        </p:nvSpPr>
+        <p:spPr>
+          <a:xfrm>
+            <a:off x="512618" y="1302327"/>
+            <a:ext cx="8104909" cy="3345873"/>
+          </a:xfrm>
+          <a:prstGeom prst="rect">
+            <a:avLst/>
+          </a:prstGeom>
+          <a:solidFill>
+            <a:schemeClr val="tx1"/>
+          </a:solidFill>
+          <a:ln>
+            <a:noFill/>
+          </a:ln>
+        </p:spPr>
+        <p:style>
+          <a:lnRef idx="2">
+            <a:schemeClr val="accent1">
+              <a:shade val="50000"/>
+            </a:schemeClr>
+          </a:lnRef>
+          <a:fillRef idx="1">
+            <a:schemeClr val="accent1"/>
+          </a:fillRef>
+          <a:effectRef idx="0">
+            <a:schemeClr val="accent1"/>
+          </a:effectRef>
+          <a:fontRef idx="minor">
+            <a:schemeClr val="lt1"/>
+          </a:fontRef>
+        </p:style>
+        <p:txBody>
+          <a:bodyPr rtlCol="0" anchor="ctr"/>
+          <a:lstStyle/>
+          <a:p>
+            <a:pPr algn="ctr"/>
+            <a:endParaRPr lang="en-US"/>
+          </a:p>
+        </p:txBody>
+      </p:sp>
+      <p:sp>
+        <p:nvSpPr>
+          <p:cNvPr id="2" name="Title 1"/>
+          <p:cNvSpPr>
+            <a:spLocks noGrp="1"/>
+          </p:cNvSpPr>
+          <p:nvPr>
+            <p:ph type="title"/>
+          </p:nvPr>
+        </p:nvSpPr>
+        <p:spPr/>
+        <p:txBody>
+          <a:bodyPr/>
+          <a:lstStyle/>
+          <a:p>
+            <a:r>
+              <a:rPr lang="en-US" dirty="0">
+                <a:solidFill>
+                  <a:schemeClr val="tx1"/>
+                </a:solidFill>
+              </a:rPr>
+              <a:t>The List Elements</a:t>
+            </a:r>
+          </a:p>
+        </p:txBody>
+      </p:sp>
+      <p:pic>
+        <p:nvPicPr>
+          <p:cNvPr id="10" name="Picture 9">
+            <a:extLst>
+              <a:ext uri="{FF2B5EF4-FFF2-40B4-BE49-F238E27FC236}">
+                <a16:creationId xmlns:a16="http://schemas.microsoft.com/office/drawing/2014/main" id="{862ADD2D-F1DF-C59D-BA4C-8766F4E277FA}"/>
+              </a:ext>
+            </a:extLst>
+          </p:cNvPr>
+          <p:cNvPicPr>
+            <a:picLocks noChangeAspect="1"/>
+          </p:cNvPicPr>
+          <p:nvPr/>
+        </p:nvPicPr>
+        <p:blipFill>
+          <a:blip r:embed="rId3"/>
+          <a:stretch>
+            <a:fillRect/>
+          </a:stretch>
+        </p:blipFill>
+        <p:spPr>
+          <a:xfrm>
+            <a:off x="1902738" y="1490424"/>
+            <a:ext cx="4877481" cy="2838846"/>
+          </a:xfrm>
+          <a:prstGeom prst="rect">
+            <a:avLst/>
+          </a:prstGeom>
+        </p:spPr>
+      </p:pic>
+    </p:spTree>
+    <p:extLst>
+      <p:ext uri="{BB962C8B-B14F-4D97-AF65-F5344CB8AC3E}">
+        <p14:creationId xmlns:p14="http://schemas.microsoft.com/office/powerpoint/2010/main" val="1703548572"/>
+      </p:ext>
+    </p:extLst>
+  </p:cSld>
+  <p:clrMapOvr>
+    <a:masterClrMapping/>
+  </p:clrMapOvr>
+</p:sld>
+</file>
+
+<file path=ppt/slides/slide11.xml><?xml version="1.0" encoding="utf-8"?>
+<p:sld xmlns:a="http://schemas.openxmlformats.org/drawingml/2006/main" xmlns:r="http://schemas.openxmlformats.org/officeDocument/2006/relationships" xmlns:p="http://schemas.openxmlformats.org/presentationml/2006/main">
+  <p:cSld>
+    <p:spTree>
+      <p:nvGrpSpPr>
+        <p:cNvPr id="1" name=""/>
+        <p:cNvGrpSpPr/>
+        <p:nvPr/>
+      </p:nvGrpSpPr>
+      <p:grpSpPr>
+        <a:xfrm>
+          <a:off x="0" y="0"/>
+          <a:ext cx="0" cy="0"/>
+          <a:chOff x="0" y="0"/>
+          <a:chExt cx="0" cy="0"/>
+        </a:xfrm>
+      </p:grpSpPr>
+      <p:sp>
+        <p:nvSpPr>
           <p:cNvPr id="2" name="Title 1"/>
           <p:cNvSpPr>
             <a:spLocks noGrp="1"/>
@@ -10592,7 +10848,7 @@
 </p:sld>
 </file>
 
-<file path=ppt/slides/slide11.xml><?xml version="1.0" encoding="utf-8"?>
+<file path=ppt/slides/slide12.xml><?xml version="1.0" encoding="utf-8"?>
 <p:sld xmlns:a="http://schemas.openxmlformats.org/drawingml/2006/main" xmlns:r="http://schemas.openxmlformats.org/officeDocument/2006/relationships" xmlns:p="http://schemas.openxmlformats.org/presentationml/2006/main">
   <p:cSld>
     <p:spTree>
@@ -10699,7 +10955,7 @@
 </p:sld>
 </file>
 
-<file path=ppt/slides/slide12.xml><?xml version="1.0" encoding="utf-8"?>
+<file path=ppt/slides/slide13.xml><?xml version="1.0" encoding="utf-8"?>
 <p:sld xmlns:a="http://schemas.openxmlformats.org/drawingml/2006/main" xmlns:r="http://schemas.openxmlformats.org/officeDocument/2006/relationships" xmlns:p="http://schemas.openxmlformats.org/presentationml/2006/main">
   <p:cSld>
     <p:spTree>
@@ -11727,7 +11983,7 @@
 </p:sld>
 </file>
 
-<file path=ppt/slides/slide13.xml><?xml version="1.0" encoding="utf-8"?>
+<file path=ppt/slides/slide14.xml><?xml version="1.0" encoding="utf-8"?>
 <p:sld xmlns:a="http://schemas.openxmlformats.org/drawingml/2006/main" xmlns:r="http://schemas.openxmlformats.org/officeDocument/2006/relationships" xmlns:p="http://schemas.openxmlformats.org/presentationml/2006/main">
   <p:cSld>
     <p:spTree>
@@ -12513,7 +12769,7 @@
 </p:sld>
 </file>
 
-<file path=ppt/slides/slide14.xml><?xml version="1.0" encoding="utf-8"?>
+<file path=ppt/slides/slide15.xml><?xml version="1.0" encoding="utf-8"?>
 <p:sld xmlns:a="http://schemas.openxmlformats.org/drawingml/2006/main" xmlns:r="http://schemas.openxmlformats.org/officeDocument/2006/relationships" xmlns:p="http://schemas.openxmlformats.org/presentationml/2006/main">
   <p:cSld>
     <p:spTree>
@@ -12620,7 +12876,7 @@
 </p:sld>
 </file>
 
-<file path=ppt/slides/slide15.xml><?xml version="1.0" encoding="utf-8"?>
+<file path=ppt/slides/slide16.xml><?xml version="1.0" encoding="utf-8"?>
 <p:sld xmlns:a="http://schemas.openxmlformats.org/drawingml/2006/main" xmlns:r="http://schemas.openxmlformats.org/officeDocument/2006/relationships" xmlns:p="http://schemas.openxmlformats.org/presentationml/2006/main">
   <p:cSld>
     <p:spTree>

--- a/Week03/MoreHtmlElements.pptx
+++ b/Week03/MoreHtmlElements.pptx
@@ -5,7 +5,7 @@
     <p:sldMasterId id="2147483676" r:id="rId1"/>
   </p:sldMasterIdLst>
   <p:notesMasterIdLst>
-    <p:notesMasterId r:id="rId17"/>
+    <p:notesMasterId r:id="rId18"/>
   </p:notesMasterIdLst>
   <p:sldIdLst>
     <p:sldId id="256" r:id="rId2"/>
@@ -17,36 +17,44 @@
     <p:sldId id="311" r:id="rId8"/>
     <p:sldId id="312" r:id="rId9"/>
     <p:sldId id="302" r:id="rId10"/>
-    <p:sldId id="313" r:id="rId11"/>
-    <p:sldId id="314" r:id="rId12"/>
-    <p:sldId id="315" r:id="rId13"/>
-    <p:sldId id="316" r:id="rId14"/>
-    <p:sldId id="317" r:id="rId15"/>
-    <p:sldId id="279" r:id="rId16"/>
+    <p:sldId id="318" r:id="rId11"/>
+    <p:sldId id="313" r:id="rId12"/>
+    <p:sldId id="314" r:id="rId13"/>
+    <p:sldId id="315" r:id="rId14"/>
+    <p:sldId id="316" r:id="rId15"/>
+    <p:sldId id="317" r:id="rId16"/>
+    <p:sldId id="279" r:id="rId17"/>
   </p:sldIdLst>
   <p:sldSz cx="9144000" cy="5143500" type="screen16x9"/>
   <p:notesSz cx="6858000" cy="9144000"/>
   <p:embeddedFontLst>
     <p:embeddedFont>
       <p:font typeface="Consolas" panose="020B0609020204030204" pitchFamily="49" charset="0"/>
-      <p:regular r:id="rId18"/>
-      <p:bold r:id="rId19"/>
-      <p:italic r:id="rId20"/>
-      <p:boldItalic r:id="rId21"/>
+      <p:regular r:id="rId19"/>
+      <p:bold r:id="rId20"/>
+      <p:italic r:id="rId21"/>
+      <p:boldItalic r:id="rId22"/>
     </p:embeddedFont>
     <p:embeddedFont>
       <p:font typeface="Krona One" panose="020B0604020202020204" charset="0"/>
-      <p:regular r:id="rId22"/>
+      <p:regular r:id="rId23"/>
     </p:embeddedFont>
     <p:embeddedFont>
       <p:font typeface="Miriam Libre" panose="00000500000000000000" pitchFamily="2" charset="-79"/>
-      <p:regular r:id="rId23"/>
-      <p:bold r:id="rId24"/>
+      <p:regular r:id="rId24"/>
+      <p:bold r:id="rId25"/>
     </p:embeddedFont>
     <p:embeddedFont>
       <p:font typeface="Roboto Condensed Light" panose="02000000000000000000" pitchFamily="2" charset="0"/>
-      <p:regular r:id="rId25"/>
-      <p:italic r:id="rId26"/>
+      <p:regular r:id="rId26"/>
+      <p:italic r:id="rId27"/>
+    </p:embeddedFont>
+    <p:embeddedFont>
+      <p:font typeface="Segoe UI" panose="020B0502040204020203" pitchFamily="34" charset="0"/>
+      <p:regular r:id="rId28"/>
+      <p:bold r:id="rId29"/>
+      <p:italic r:id="rId30"/>
+      <p:boldItalic r:id="rId31"/>
     </p:embeddedFont>
   </p:embeddedFontLst>
   <p:defaultTextStyle>
@@ -915,11 +923,18 @@
           <a:bodyPr/>
           <a:lstStyle/>
           <a:p>
-            <a:pPr marL="0" indent="0">
+            <a:pPr marL="171450" indent="-171450">
               <a:buFontTx/>
-              <a:buNone/>
+              <a:buChar char="-"/>
             </a:pPr>
-            <a:endParaRPr lang="en-US" baseline="0" dirty="0"/>
+            <a:r>
+              <a:rPr lang="en-US" dirty="0"/>
+              <a:t>Ask the students to</a:t>
+            </a:r>
+            <a:r>
+              <a:rPr lang="en-US" baseline="0" dirty="0"/>
+              <a:t> guess how each of these input types might appear</a:t>
+            </a:r>
           </a:p>
         </p:txBody>
       </p:sp>
@@ -949,7 +964,7 @@
     </p:spTree>
     <p:extLst>
       <p:ext uri="{BB962C8B-B14F-4D97-AF65-F5344CB8AC3E}">
-        <p14:creationId xmlns:p14="http://schemas.microsoft.com/office/powerpoint/2010/main" val="2804282007"/>
+        <p14:creationId xmlns:p14="http://schemas.microsoft.com/office/powerpoint/2010/main" val="2546089303"/>
       </p:ext>
     </p:extLst>
   </p:cSld>
@@ -1008,23 +1023,11 @@
           <a:bodyPr/>
           <a:lstStyle/>
           <a:p>
-            <a:r>
-              <a:rPr lang="en-US" dirty="0"/>
-              <a:t>Visit the </a:t>
-            </a:r>
-            <a:r>
-              <a:rPr lang="en-US" dirty="0" err="1"/>
-              <a:t>Repl</a:t>
-            </a:r>
-            <a:r>
-              <a:rPr lang="en-US" dirty="0"/>
-              <a:t> to show inputs </a:t>
-            </a:r>
-            <a:r>
-              <a:rPr lang="en-US"/>
-              <a:t>in action</a:t>
-            </a:r>
-            <a:endParaRPr lang="en-US" dirty="0"/>
+            <a:pPr marL="0" indent="0">
+              <a:buFontTx/>
+              <a:buNone/>
+            </a:pPr>
+            <a:endParaRPr lang="en-US" baseline="0" dirty="0"/>
           </a:p>
         </p:txBody>
       </p:sp>
@@ -1046,6 +1049,111 @@
             <a:fld id="{DEC8F7F9-57EC-49CF-9FCD-2B781E4B449F}" type="slidenum">
               <a:rPr lang="en-US" smtClean="0"/>
               <a:t>14</a:t>
+            </a:fld>
+            <a:endParaRPr lang="en-US"/>
+          </a:p>
+        </p:txBody>
+      </p:sp>
+    </p:spTree>
+    <p:extLst>
+      <p:ext uri="{BB962C8B-B14F-4D97-AF65-F5344CB8AC3E}">
+        <p14:creationId xmlns:p14="http://schemas.microsoft.com/office/powerpoint/2010/main" val="2804282007"/>
+      </p:ext>
+    </p:extLst>
+  </p:cSld>
+  <p:clrMapOvr>
+    <a:masterClrMapping/>
+  </p:clrMapOvr>
+</p:notes>
+</file>
+
+<file path=ppt/notesSlides/notesSlide12.xml><?xml version="1.0" encoding="utf-8"?>
+<p:notes xmlns:a="http://schemas.openxmlformats.org/drawingml/2006/main" xmlns:r="http://schemas.openxmlformats.org/officeDocument/2006/relationships" xmlns:p="http://schemas.openxmlformats.org/presentationml/2006/main">
+  <p:cSld>
+    <p:spTree>
+      <p:nvGrpSpPr>
+        <p:cNvPr id="1" name=""/>
+        <p:cNvGrpSpPr/>
+        <p:nvPr/>
+      </p:nvGrpSpPr>
+      <p:grpSpPr>
+        <a:xfrm>
+          <a:off x="0" y="0"/>
+          <a:ext cx="0" cy="0"/>
+          <a:chOff x="0" y="0"/>
+          <a:chExt cx="0" cy="0"/>
+        </a:xfrm>
+      </p:grpSpPr>
+      <p:sp>
+        <p:nvSpPr>
+          <p:cNvPr id="2" name="Slide Image Placeholder 1"/>
+          <p:cNvSpPr>
+            <a:spLocks noGrp="1" noRot="1" noChangeAspect="1"/>
+          </p:cNvSpPr>
+          <p:nvPr>
+            <p:ph type="sldImg"/>
+          </p:nvPr>
+        </p:nvSpPr>
+        <p:spPr>
+          <a:xfrm>
+            <a:off x="381000" y="685800"/>
+            <a:ext cx="6096000" cy="3429000"/>
+          </a:xfrm>
+        </p:spPr>
+      </p:sp>
+      <p:sp>
+        <p:nvSpPr>
+          <p:cNvPr id="3" name="Notes Placeholder 2"/>
+          <p:cNvSpPr>
+            <a:spLocks noGrp="1"/>
+          </p:cNvSpPr>
+          <p:nvPr>
+            <p:ph type="body" idx="1"/>
+          </p:nvPr>
+        </p:nvSpPr>
+        <p:spPr/>
+        <p:txBody>
+          <a:bodyPr/>
+          <a:lstStyle/>
+          <a:p>
+            <a:r>
+              <a:rPr lang="en-US" dirty="0"/>
+              <a:t>Visit the </a:t>
+            </a:r>
+            <a:r>
+              <a:rPr lang="en-US" dirty="0" err="1"/>
+              <a:t>Repl</a:t>
+            </a:r>
+            <a:r>
+              <a:rPr lang="en-US" dirty="0"/>
+              <a:t> to show inputs </a:t>
+            </a:r>
+            <a:r>
+              <a:rPr lang="en-US"/>
+              <a:t>in action</a:t>
+            </a:r>
+            <a:endParaRPr lang="en-US" dirty="0"/>
+          </a:p>
+        </p:txBody>
+      </p:sp>
+      <p:sp>
+        <p:nvSpPr>
+          <p:cNvPr id="4" name="Slide Number Placeholder 3"/>
+          <p:cNvSpPr>
+            <a:spLocks noGrp="1"/>
+          </p:cNvSpPr>
+          <p:nvPr>
+            <p:ph type="sldNum" sz="quarter" idx="10"/>
+          </p:nvPr>
+        </p:nvSpPr>
+        <p:spPr/>
+        <p:txBody>
+          <a:bodyPr/>
+          <a:lstStyle/>
+          <a:p>
+            <a:fld id="{DEC8F7F9-57EC-49CF-9FCD-2B781E4B449F}" type="slidenum">
+              <a:rPr lang="en-US" smtClean="0"/>
+              <a:t>15</a:t>
             </a:fld>
             <a:endParaRPr lang="en-US"/>
           </a:p>
@@ -1064,7 +1172,7 @@
 </p:notes>
 </file>
 
-<file path=ppt/notesSlides/notesSlide12.xml><?xml version="1.0" encoding="utf-8"?>
+<file path=ppt/notesSlides/notesSlide13.xml><?xml version="1.0" encoding="utf-8"?>
 <p:notes xmlns:a="http://schemas.openxmlformats.org/drawingml/2006/main" xmlns:r="http://schemas.openxmlformats.org/officeDocument/2006/relationships" xmlns:p="http://schemas.openxmlformats.org/presentationml/2006/main" showMasterSp="0" showMasterPhAnim="0">
   <p:cSld>
     <p:spTree>
@@ -1746,124 +1854,28 @@
           <a:bodyPr/>
           <a:lstStyle/>
           <a:p>
+            <a:pPr marL="171450" indent="-171450">
+              <a:buFontTx/>
+              <a:buChar char="-"/>
+            </a:pPr>
             <a:r>
               <a:rPr lang="en-US" dirty="0"/>
-              <a:t>Explain nesting as a concept using geography.</a:t>
-            </a:r>
-          </a:p>
-          <a:p>
-            <a:endParaRPr lang="en-US" dirty="0"/>
-          </a:p>
-          <a:p>
-            <a:r>
-              <a:rPr lang="en-US" dirty="0"/>
-              <a:t>Start</a:t>
+              <a:t>The bullet points on this</a:t>
             </a:r>
             <a:r>
               <a:rPr lang="en-US" baseline="0" dirty="0"/>
-              <a:t> by writing the following on the whiteboard (leave a lot of space around the tags):</a:t>
-            </a:r>
-          </a:p>
-          <a:p>
-            <a:endParaRPr lang="en-US" baseline="0" dirty="0"/>
-          </a:p>
-          <a:p>
-            <a:r>
-              <a:rPr lang="en-US" b="1" baseline="0" dirty="0"/>
-              <a:t>&lt;county name=“Cuyahoga”&gt;</a:t>
-            </a:r>
-          </a:p>
-          <a:p>
-            <a:endParaRPr lang="en-US" b="1" baseline="0" dirty="0"/>
-          </a:p>
-          <a:p>
-            <a:r>
-              <a:rPr lang="en-US" b="1" baseline="0" dirty="0"/>
-              <a:t>&lt;/county&gt;</a:t>
-            </a:r>
-          </a:p>
-          <a:p>
-            <a:endParaRPr lang="en-US" baseline="0" dirty="0"/>
-          </a:p>
-          <a:p>
-            <a:r>
-              <a:rPr lang="en-US" b="0" baseline="0" dirty="0"/>
-              <a:t>Ask what goes within a county – a city! Add that to the code:</a:t>
-            </a:r>
-          </a:p>
-          <a:p>
-            <a:endParaRPr lang="en-US" b="0" baseline="0" dirty="0"/>
-          </a:p>
-          <a:p>
-            <a:r>
-              <a:rPr lang="en-US" b="1" baseline="0" dirty="0"/>
-              <a:t>&lt;county name=“Cuyahoga”&gt;</a:t>
-            </a:r>
-          </a:p>
-          <a:p>
-            <a:r>
-              <a:rPr lang="en-US" b="1" baseline="0" dirty="0"/>
-              <a:t>    &lt;city name=“Westlake”&gt;&lt;/city&gt;</a:t>
-            </a:r>
-          </a:p>
-          <a:p>
-            <a:r>
-              <a:rPr lang="en-US" b="1" baseline="0" dirty="0"/>
-              <a:t>&lt;/county&gt;</a:t>
-            </a:r>
-          </a:p>
-          <a:p>
-            <a:endParaRPr lang="en-US" b="1" baseline="0" dirty="0"/>
-          </a:p>
-          <a:p>
-            <a:r>
-              <a:rPr lang="en-US" b="0" baseline="0" dirty="0"/>
-              <a:t>Ask what goes around a county – a state! Add that to the code:</a:t>
-            </a:r>
-          </a:p>
-          <a:p>
-            <a:endParaRPr lang="en-US" b="0" baseline="0" dirty="0"/>
-          </a:p>
-          <a:p>
-            <a:r>
-              <a:rPr lang="en-US" b="1" baseline="0" dirty="0"/>
-              <a:t>&lt;state name=“Ohio”&gt;</a:t>
-            </a:r>
-          </a:p>
-          <a:p>
-            <a:r>
-              <a:rPr lang="en-US" b="1" baseline="0" dirty="0"/>
-              <a:t>    &lt;county name=“Cuyahoga”&gt;</a:t>
-            </a:r>
-          </a:p>
-          <a:p>
-            <a:r>
-              <a:rPr lang="en-US" b="1" baseline="0" dirty="0"/>
-              <a:t>        &lt;city name=“Westlake”&gt;&lt;/city&gt;</a:t>
-            </a:r>
-          </a:p>
-          <a:p>
-            <a:r>
-              <a:rPr lang="en-US" b="1" baseline="0" dirty="0"/>
-              <a:t>    &lt;/county&gt;</a:t>
-            </a:r>
-          </a:p>
-          <a:p>
-            <a:r>
-              <a:rPr lang="en-US" b="1" baseline="0" dirty="0"/>
-              <a:t>&lt;/state&gt;</a:t>
-            </a:r>
-            <a:endParaRPr lang="en-US" b="0" baseline="0" dirty="0"/>
-          </a:p>
-          <a:p>
-            <a:endParaRPr lang="en-US" b="0" baseline="0" dirty="0"/>
-          </a:p>
-          <a:p>
-            <a:r>
-              <a:rPr lang="en-US" b="0" baseline="0" dirty="0"/>
-              <a:t>Use this concept to explain nesting. Explain parent/child relationships. The next slide has an example using lists.</a:t>
-            </a:r>
-            <a:endParaRPr lang="en-US" b="1" baseline="0" dirty="0"/>
+              <a:t> slide are an unordered list!</a:t>
+            </a:r>
+          </a:p>
+          <a:p>
+            <a:pPr marL="171450" indent="-171450">
+              <a:buFontTx/>
+              <a:buChar char="-"/>
+            </a:pPr>
+            <a:r>
+              <a:rPr lang="en-US" baseline="0" dirty="0"/>
+              <a:t>An ordered list has numbers – for example, the MCU movies in release order</a:t>
+            </a:r>
           </a:p>
         </p:txBody>
       </p:sp>
@@ -1893,7 +1905,7 @@
     </p:spTree>
     <p:extLst>
       <p:ext uri="{BB962C8B-B14F-4D97-AF65-F5344CB8AC3E}">
-        <p14:creationId xmlns:p14="http://schemas.microsoft.com/office/powerpoint/2010/main" val="4242023331"/>
+        <p14:creationId xmlns:p14="http://schemas.microsoft.com/office/powerpoint/2010/main" val="3902140810"/>
       </p:ext>
     </p:extLst>
   </p:cSld>
@@ -1954,44 +1966,122 @@
           <a:p>
             <a:r>
               <a:rPr lang="en-US" dirty="0"/>
-              <a:t>Visit the </a:t>
-            </a:r>
-            <a:r>
-              <a:rPr lang="en-US" dirty="0" err="1"/>
-              <a:t>Repl</a:t>
-            </a:r>
+              <a:t>Explain nesting as a concept using geography.</a:t>
+            </a:r>
+          </a:p>
+          <a:p>
+            <a:endParaRPr lang="en-US" dirty="0"/>
+          </a:p>
+          <a:p>
             <a:r>
               <a:rPr lang="en-US" dirty="0"/>
-              <a:t> to show lists in action.</a:t>
-            </a:r>
-          </a:p>
-          <a:p>
-            <a:pPr marL="171450" indent="-171450">
-              <a:buFontTx/>
-              <a:buChar char="-"/>
-            </a:pPr>
-            <a:r>
-              <a:rPr lang="en-US" dirty="0"/>
-              <a:t>Here we really want to emphasize the hierarchical structure of HTML</a:t>
-            </a:r>
-          </a:p>
-          <a:p>
-            <a:pPr marL="171450" indent="-171450">
-              <a:buFontTx/>
-              <a:buChar char="-"/>
-            </a:pPr>
-            <a:r>
-              <a:rPr lang="en-US" dirty="0"/>
-              <a:t>Also show the difference between </a:t>
-            </a:r>
-            <a:r>
-              <a:rPr lang="en-US" dirty="0" err="1"/>
-              <a:t>ol</a:t>
-            </a:r>
-            <a:r>
-              <a:rPr lang="en-US" dirty="0"/>
-              <a:t> and ul</a:t>
-            </a:r>
+              <a:t>Start</a:t>
+            </a:r>
+            <a:r>
+              <a:rPr lang="en-US" baseline="0" dirty="0"/>
+              <a:t> by writing the following on the whiteboard (leave a lot of space around the tags):</a:t>
+            </a:r>
+          </a:p>
+          <a:p>
+            <a:endParaRPr lang="en-US" baseline="0" dirty="0"/>
+          </a:p>
+          <a:p>
+            <a:r>
+              <a:rPr lang="en-US" b="1" baseline="0" dirty="0"/>
+              <a:t>&lt;county name=“Cuyahoga”&gt;</a:t>
+            </a:r>
+          </a:p>
+          <a:p>
+            <a:endParaRPr lang="en-US" b="1" baseline="0" dirty="0"/>
+          </a:p>
+          <a:p>
+            <a:r>
+              <a:rPr lang="en-US" b="1" baseline="0" dirty="0"/>
+              <a:t>&lt;/county&gt;</a:t>
+            </a:r>
+          </a:p>
+          <a:p>
+            <a:endParaRPr lang="en-US" baseline="0" dirty="0"/>
+          </a:p>
+          <a:p>
+            <a:r>
+              <a:rPr lang="en-US" b="0" baseline="0" dirty="0"/>
+              <a:t>Ask what goes within a county – a city! Add that to the code:</a:t>
+            </a:r>
+          </a:p>
+          <a:p>
+            <a:endParaRPr lang="en-US" b="0" baseline="0" dirty="0"/>
+          </a:p>
+          <a:p>
+            <a:r>
+              <a:rPr lang="en-US" b="1" baseline="0" dirty="0"/>
+              <a:t>&lt;county name=“Cuyahoga”&gt;</a:t>
+            </a:r>
+          </a:p>
+          <a:p>
+            <a:r>
+              <a:rPr lang="en-US" b="1" baseline="0" dirty="0"/>
+              <a:t>    &lt;city name=“Westlake”&gt;&lt;/city&gt;</a:t>
+            </a:r>
+          </a:p>
+          <a:p>
+            <a:r>
+              <a:rPr lang="en-US" b="1" baseline="0" dirty="0"/>
+              <a:t>&lt;/county&gt;</a:t>
+            </a:r>
+          </a:p>
+          <a:p>
+            <a:endParaRPr lang="en-US" b="1" baseline="0" dirty="0"/>
+          </a:p>
+          <a:p>
+            <a:r>
+              <a:rPr lang="en-US" b="0" baseline="0" dirty="0"/>
+              <a:t>Ask what goes around a county – a state! Add that to the code:</a:t>
+            </a:r>
+          </a:p>
+          <a:p>
+            <a:endParaRPr lang="en-US" b="0" baseline="0" dirty="0"/>
+          </a:p>
+          <a:p>
+            <a:r>
+              <a:rPr lang="en-US" b="1" baseline="0" dirty="0"/>
+              <a:t>&lt;state name=“Ohio”&gt;</a:t>
+            </a:r>
+          </a:p>
+          <a:p>
+            <a:r>
+              <a:rPr lang="en-US" b="1" baseline="0" dirty="0"/>
+              <a:t>    &lt;county name=“Cuyahoga”&gt;</a:t>
+            </a:r>
+          </a:p>
+          <a:p>
+            <a:r>
+              <a:rPr lang="en-US" b="1" baseline="0" dirty="0"/>
+              <a:t>        &lt;city name=“Westlake”&gt;&lt;/city&gt;</a:t>
+            </a:r>
+          </a:p>
+          <a:p>
+            <a:r>
+              <a:rPr lang="en-US" b="1" baseline="0" dirty="0"/>
+              <a:t>    &lt;/county&gt;</a:t>
+            </a:r>
+          </a:p>
+          <a:p>
+            <a:r>
+              <a:rPr lang="en-US" b="1" baseline="0" dirty="0"/>
+              <a:t>&lt;/state&gt;</a:t>
+            </a:r>
+            <a:endParaRPr lang="en-US" b="0" baseline="0" dirty="0"/>
+          </a:p>
+          <a:p>
+            <a:endParaRPr lang="en-US" b="0" baseline="0" dirty="0"/>
+          </a:p>
+          <a:p>
+            <a:r>
+              <a:rPr lang="en-US" b="0" baseline="0" dirty="0"/>
+              <a:t>Use this concept to explain nesting. Explain parent/child relationships. The next slide has an example using lists.</a:t>
+            </a:r>
+            <a:endParaRPr lang="en-US" b="1" baseline="0" dirty="0"/>
           </a:p>
         </p:txBody>
       </p:sp>
@@ -2021,7 +2111,7 @@
     </p:spTree>
     <p:extLst>
       <p:ext uri="{BB962C8B-B14F-4D97-AF65-F5344CB8AC3E}">
-        <p14:creationId xmlns:p14="http://schemas.microsoft.com/office/powerpoint/2010/main" val="2415259283"/>
+        <p14:creationId xmlns:p14="http://schemas.microsoft.com/office/powerpoint/2010/main" val="4242023331"/>
       </p:ext>
     </p:extLst>
   </p:cSld>
@@ -2080,17 +2170,45 @@
           <a:bodyPr/>
           <a:lstStyle/>
           <a:p>
+            <a:r>
+              <a:rPr lang="en-US" dirty="0"/>
+              <a:t>Visit the </a:t>
+            </a:r>
+            <a:r>
+              <a:rPr lang="en-US" dirty="0" err="1"/>
+              <a:t>Repl</a:t>
+            </a:r>
+            <a:r>
+              <a:rPr lang="en-US" dirty="0"/>
+              <a:t> to show lists in action.</a:t>
+            </a:r>
+          </a:p>
+          <a:p>
             <a:pPr marL="171450" indent="-171450">
               <a:buFontTx/>
               <a:buChar char="-"/>
             </a:pPr>
             <a:r>
               <a:rPr lang="en-US" dirty="0"/>
-              <a:t>Ask the students to</a:t>
-            </a:r>
-            <a:r>
-              <a:rPr lang="en-US" baseline="0" dirty="0"/>
-              <a:t> guess how each of these input types might appear</a:t>
+              <a:t>Here we really want to emphasize the hierarchical structure of HTML</a:t>
+            </a:r>
+          </a:p>
+          <a:p>
+            <a:pPr marL="171450" indent="-171450">
+              <a:buFontTx/>
+              <a:buChar char="-"/>
+            </a:pPr>
+            <a:r>
+              <a:rPr lang="en-US" dirty="0"/>
+              <a:t>Also show the difference between </a:t>
+            </a:r>
+            <a:r>
+              <a:rPr lang="en-US" dirty="0" err="1"/>
+              <a:t>ol</a:t>
+            </a:r>
+            <a:r>
+              <a:rPr lang="en-US" dirty="0"/>
+              <a:t> and ul</a:t>
             </a:r>
           </a:p>
         </p:txBody>
@@ -2121,7 +2239,7 @@
     </p:spTree>
     <p:extLst>
       <p:ext uri="{BB962C8B-B14F-4D97-AF65-F5344CB8AC3E}">
-        <p14:creationId xmlns:p14="http://schemas.microsoft.com/office/powerpoint/2010/main" val="2546089303"/>
+        <p14:creationId xmlns:p14="http://schemas.microsoft.com/office/powerpoint/2010/main" val="2415259283"/>
       </p:ext>
     </p:extLst>
   </p:cSld>
@@ -3196,7 +3314,7 @@
           <a:p>
             <a:fld id="{5958763E-B898-436D-883D-03711491D54A}" type="datetimeFigureOut">
               <a:rPr lang="en-US" smtClean="0"/>
-              <a:t>2/8/2023</a:t>
+              <a:t>8/21/2024</a:t>
             </a:fld>
             <a:endParaRPr lang="en-US"/>
           </a:p>
@@ -3460,7 +3578,7 @@
           <a:p>
             <a:fld id="{5958763E-B898-436D-883D-03711491D54A}" type="datetimeFigureOut">
               <a:rPr lang="en-US" smtClean="0"/>
-              <a:t>2/8/2023</a:t>
+              <a:t>8/21/2024</a:t>
             </a:fld>
             <a:endParaRPr lang="en-US"/>
           </a:p>
@@ -10497,6 +10615,144 @@
       </p:grpSpPr>
       <p:sp>
         <p:nvSpPr>
+          <p:cNvPr id="6" name="Rectangle 5">
+            <a:extLst>
+              <a:ext uri="{FF2B5EF4-FFF2-40B4-BE49-F238E27FC236}">
+                <a16:creationId xmlns:a16="http://schemas.microsoft.com/office/drawing/2014/main" id="{E82289CE-B960-EEDA-377E-82719C37254C}"/>
+              </a:ext>
+            </a:extLst>
+          </p:cNvPr>
+          <p:cNvSpPr/>
+          <p:nvPr/>
+        </p:nvSpPr>
+        <p:spPr>
+          <a:xfrm>
+            <a:off x="512618" y="1302327"/>
+            <a:ext cx="8104909" cy="3345873"/>
+          </a:xfrm>
+          <a:prstGeom prst="rect">
+            <a:avLst/>
+          </a:prstGeom>
+          <a:solidFill>
+            <a:schemeClr val="tx1"/>
+          </a:solidFill>
+          <a:ln>
+            <a:noFill/>
+          </a:ln>
+        </p:spPr>
+        <p:style>
+          <a:lnRef idx="2">
+            <a:schemeClr val="accent1">
+              <a:shade val="50000"/>
+            </a:schemeClr>
+          </a:lnRef>
+          <a:fillRef idx="1">
+            <a:schemeClr val="accent1"/>
+          </a:fillRef>
+          <a:effectRef idx="0">
+            <a:schemeClr val="accent1"/>
+          </a:effectRef>
+          <a:fontRef idx="minor">
+            <a:schemeClr val="lt1"/>
+          </a:fontRef>
+        </p:style>
+        <p:txBody>
+          <a:bodyPr rtlCol="0" anchor="ctr"/>
+          <a:lstStyle/>
+          <a:p>
+            <a:pPr algn="ctr"/>
+            <a:endParaRPr lang="en-US"/>
+          </a:p>
+        </p:txBody>
+      </p:sp>
+      <p:sp>
+        <p:nvSpPr>
+          <p:cNvPr id="2" name="Title 1"/>
+          <p:cNvSpPr>
+            <a:spLocks noGrp="1"/>
+          </p:cNvSpPr>
+          <p:nvPr>
+            <p:ph type="title"/>
+          </p:nvPr>
+        </p:nvSpPr>
+        <p:spPr/>
+        <p:txBody>
+          <a:bodyPr/>
+          <a:lstStyle/>
+          <a:p>
+            <a:r>
+              <a:rPr lang="en-US" dirty="0">
+                <a:solidFill>
+                  <a:schemeClr val="tx1"/>
+                </a:solidFill>
+              </a:rPr>
+              <a:t>The List Elements</a:t>
+            </a:r>
+          </a:p>
+        </p:txBody>
+      </p:sp>
+      <p:pic>
+        <p:nvPicPr>
+          <p:cNvPr id="10" name="Picture 9">
+            <a:extLst>
+              <a:ext uri="{FF2B5EF4-FFF2-40B4-BE49-F238E27FC236}">
+                <a16:creationId xmlns:a16="http://schemas.microsoft.com/office/drawing/2014/main" id="{862ADD2D-F1DF-C59D-BA4C-8766F4E277FA}"/>
+              </a:ext>
+            </a:extLst>
+          </p:cNvPr>
+          <p:cNvPicPr>
+            <a:picLocks noChangeAspect="1"/>
+          </p:cNvPicPr>
+          <p:nvPr/>
+        </p:nvPicPr>
+        <p:blipFill>
+          <a:blip r:embed="rId3"/>
+          <a:stretch>
+            <a:fillRect/>
+          </a:stretch>
+        </p:blipFill>
+        <p:spPr>
+          <a:xfrm>
+            <a:off x="1902738" y="1490424"/>
+            <a:ext cx="4877481" cy="2838846"/>
+          </a:xfrm>
+          <a:prstGeom prst="rect">
+            <a:avLst/>
+          </a:prstGeom>
+        </p:spPr>
+      </p:pic>
+    </p:spTree>
+    <p:extLst>
+      <p:ext uri="{BB962C8B-B14F-4D97-AF65-F5344CB8AC3E}">
+        <p14:creationId xmlns:p14="http://schemas.microsoft.com/office/powerpoint/2010/main" val="1703548572"/>
+      </p:ext>
+    </p:extLst>
+  </p:cSld>
+  <p:clrMapOvr>
+    <a:masterClrMapping/>
+  </p:clrMapOvr>
+</p:sld>
+</file>
+
+<file path=ppt/slides/slide11.xml><?xml version="1.0" encoding="utf-8"?>
+<p:sld xmlns:a="http://schemas.openxmlformats.org/drawingml/2006/main" xmlns:r="http://schemas.openxmlformats.org/officeDocument/2006/relationships" xmlns:p="http://schemas.openxmlformats.org/presentationml/2006/main">
+  <p:cSld>
+    <p:spTree>
+      <p:nvGrpSpPr>
+        <p:cNvPr id="1" name=""/>
+        <p:cNvGrpSpPr/>
+        <p:nvPr/>
+      </p:nvGrpSpPr>
+      <p:grpSpPr>
+        <a:xfrm>
+          <a:off x="0" y="0"/>
+          <a:ext cx="0" cy="0"/>
+          <a:chOff x="0" y="0"/>
+          <a:chExt cx="0" cy="0"/>
+        </a:xfrm>
+      </p:grpSpPr>
+      <p:sp>
+        <p:nvSpPr>
           <p:cNvPr id="2" name="Title 1"/>
           <p:cNvSpPr>
             <a:spLocks noGrp="1"/>
@@ -10592,7 +10848,7 @@
 </p:sld>
 </file>
 
-<file path=ppt/slides/slide11.xml><?xml version="1.0" encoding="utf-8"?>
+<file path=ppt/slides/slide12.xml><?xml version="1.0" encoding="utf-8"?>
 <p:sld xmlns:a="http://schemas.openxmlformats.org/drawingml/2006/main" xmlns:r="http://schemas.openxmlformats.org/officeDocument/2006/relationships" xmlns:p="http://schemas.openxmlformats.org/presentationml/2006/main">
   <p:cSld>
     <p:spTree>
@@ -10699,7 +10955,7 @@
 </p:sld>
 </file>
 
-<file path=ppt/slides/slide12.xml><?xml version="1.0" encoding="utf-8"?>
+<file path=ppt/slides/slide13.xml><?xml version="1.0" encoding="utf-8"?>
 <p:sld xmlns:a="http://schemas.openxmlformats.org/drawingml/2006/main" xmlns:r="http://schemas.openxmlformats.org/officeDocument/2006/relationships" xmlns:p="http://schemas.openxmlformats.org/presentationml/2006/main">
   <p:cSld>
     <p:spTree>
@@ -11727,7 +11983,7 @@
 </p:sld>
 </file>
 
-<file path=ppt/slides/slide13.xml><?xml version="1.0" encoding="utf-8"?>
+<file path=ppt/slides/slide14.xml><?xml version="1.0" encoding="utf-8"?>
 <p:sld xmlns:a="http://schemas.openxmlformats.org/drawingml/2006/main" xmlns:r="http://schemas.openxmlformats.org/officeDocument/2006/relationships" xmlns:p="http://schemas.openxmlformats.org/presentationml/2006/main">
   <p:cSld>
     <p:spTree>
@@ -12513,7 +12769,7 @@
 </p:sld>
 </file>
 
-<file path=ppt/slides/slide14.xml><?xml version="1.0" encoding="utf-8"?>
+<file path=ppt/slides/slide15.xml><?xml version="1.0" encoding="utf-8"?>
 <p:sld xmlns:a="http://schemas.openxmlformats.org/drawingml/2006/main" xmlns:r="http://schemas.openxmlformats.org/officeDocument/2006/relationships" xmlns:p="http://schemas.openxmlformats.org/presentationml/2006/main">
   <p:cSld>
     <p:spTree>
@@ -12620,7 +12876,7 @@
 </p:sld>
 </file>
 
-<file path=ppt/slides/slide15.xml><?xml version="1.0" encoding="utf-8"?>
+<file path=ppt/slides/slide16.xml><?xml version="1.0" encoding="utf-8"?>
 <p:sld xmlns:a="http://schemas.openxmlformats.org/drawingml/2006/main" xmlns:r="http://schemas.openxmlformats.org/officeDocument/2006/relationships" xmlns:p="http://schemas.openxmlformats.org/presentationml/2006/main">
   <p:cSld>
     <p:spTree>

--- a/Week03/MoreHtmlElements.pptx
+++ b/Week03/MoreHtmlElements.pptx
@@ -3314,7 +3314,7 @@
           <a:p>
             <a:fld id="{5958763E-B898-436D-883D-03711491D54A}" type="datetimeFigureOut">
               <a:rPr lang="en-US" smtClean="0"/>
-              <a:t>8/21/2024</a:t>
+              <a:t>9/4/2024</a:t>
             </a:fld>
             <a:endParaRPr lang="en-US"/>
           </a:p>
@@ -3578,7 +3578,7 @@
           <a:p>
             <a:fld id="{5958763E-B898-436D-883D-03711491D54A}" type="datetimeFigureOut">
               <a:rPr lang="en-US" smtClean="0"/>
-              <a:t>8/21/2024</a:t>
+              <a:t>9/4/2024</a:t>
             </a:fld>
             <a:endParaRPr lang="en-US"/>
           </a:p>
@@ -10929,7 +10929,7 @@
                   </a:extLst>
                 </a:hlinkClick>
               </a:rPr>
-              <a:t>https://replit.com/@HylandOutreach/ListExample</a:t>
+              <a:t>https://jsfiddle.net/5fmw3dL8/</a:t>
             </a:r>
             <a:endParaRPr lang="en-US" sz="2400" b="1" dirty="0">
               <a:solidFill>
@@ -12850,7 +12850,7 @@
                   </a:extLst>
                 </a:hlinkClick>
               </a:rPr>
-              <a:t>https://replit.com/@HylandOutreach/InputExamples</a:t>
+              <a:t>https://jsfiddle.net/mz7gpx6c/</a:t>
             </a:r>
             <a:endParaRPr lang="en-US" sz="2400" b="1" dirty="0">
               <a:solidFill>
@@ -15646,7 +15646,7 @@
                   </a:extLst>
                 </a:hlinkClick>
               </a:rPr>
-              <a:t>https://replit.com/@HylandOutreach/AttributesExample</a:t>
+              <a:t>https://jsfiddle.net/Lhodz460/</a:t>
             </a:r>
             <a:endParaRPr lang="en-US" sz="2400" b="1" dirty="0">
               <a:solidFill>
